--- a/PPT/Ch11_테스트,디버깅,프로파일링과 튜닝.pptx
+++ b/PPT/Ch11_테스트,디버깅,프로파일링과 튜닝.pptx
@@ -5,7 +5,7 @@
     <p:sldMasterId id="2147483648" r:id="rId1"/>
   </p:sldMasterIdLst>
   <p:notesMasterIdLst>
-    <p:notesMasterId r:id="rId24"/>
+    <p:notesMasterId r:id="rId28"/>
   </p:notesMasterIdLst>
   <p:sldIdLst>
     <p:sldId id="256" r:id="rId2"/>
@@ -28,8 +28,12 @@
     <p:sldId id="285" r:id="rId19"/>
     <p:sldId id="286" r:id="rId20"/>
     <p:sldId id="262" r:id="rId21"/>
-    <p:sldId id="263" r:id="rId22"/>
-    <p:sldId id="265" r:id="rId23"/>
+    <p:sldId id="287" r:id="rId22"/>
+    <p:sldId id="288" r:id="rId23"/>
+    <p:sldId id="290" r:id="rId24"/>
+    <p:sldId id="289" r:id="rId25"/>
+    <p:sldId id="291" r:id="rId26"/>
+    <p:sldId id="265" r:id="rId27"/>
   </p:sldIdLst>
   <p:sldSz cx="12192000" cy="6858000"/>
   <p:notesSz cx="6735763" cy="9799638"/>
@@ -221,7 +225,7 @@
           <a:p>
             <a:fld id="{36D26F9D-7086-4874-9FD7-F2A60CF0EB4E}" type="datetimeFigureOut">
               <a:rPr lang="ko-KR" altLang="en-US" smtClean="0"/>
-              <a:t>2016-01-21</a:t>
+              <a:t>2016-01-27</a:t>
             </a:fld>
             <a:endParaRPr lang="ko-KR" altLang="en-US"/>
           </a:p>
@@ -768,7 +772,7 @@
           <a:p>
             <a:fld id="{9A4482CB-6BA5-419A-B1BB-DF7478CCF951}" type="datetime1">
               <a:rPr lang="ko-KR" altLang="en-US" smtClean="0"/>
-              <a:t>2016-01-21</a:t>
+              <a:t>2016-01-27</a:t>
             </a:fld>
             <a:endParaRPr lang="ko-KR" altLang="en-US"/>
           </a:p>
@@ -950,7 +954,7 @@
           <a:p>
             <a:fld id="{A7469843-BD1A-47E7-A2BB-197220B173B6}" type="datetime1">
               <a:rPr lang="ko-KR" altLang="en-US" smtClean="0"/>
-              <a:t>2016-01-21</a:t>
+              <a:t>2016-01-27</a:t>
             </a:fld>
             <a:endParaRPr lang="ko-KR" altLang="en-US"/>
           </a:p>
@@ -1130,7 +1134,7 @@
           <a:p>
             <a:fld id="{018F1B78-3988-4143-A9BC-8F1C94A8D24C}" type="datetime1">
               <a:rPr lang="ko-KR" altLang="en-US" smtClean="0"/>
-              <a:t>2016-01-21</a:t>
+              <a:t>2016-01-27</a:t>
             </a:fld>
             <a:endParaRPr lang="ko-KR" altLang="en-US"/>
           </a:p>
@@ -1364,7 +1368,7 @@
           <a:p>
             <a:fld id="{D704027F-A5DF-4DB0-BB5E-282E903BA604}" type="datetime1">
               <a:rPr lang="ko-KR" altLang="en-US" smtClean="0"/>
-              <a:t>2016-01-21</a:t>
+              <a:t>2016-01-27</a:t>
             </a:fld>
             <a:endParaRPr lang="ko-KR" altLang="en-US"/>
           </a:p>
@@ -1657,7 +1661,7 @@
           <a:p>
             <a:fld id="{C90624F3-1261-4349-8FA1-CC02DAA35899}" type="datetime1">
               <a:rPr lang="ko-KR" altLang="en-US" smtClean="0"/>
-              <a:t>2016-01-21</a:t>
+              <a:t>2016-01-27</a:t>
             </a:fld>
             <a:endParaRPr lang="ko-KR" altLang="en-US"/>
           </a:p>
@@ -1896,7 +1900,7 @@
           <a:p>
             <a:fld id="{B069A13B-C207-49EC-8727-27D4E7FF7581}" type="datetime1">
               <a:rPr lang="ko-KR" altLang="en-US" smtClean="0"/>
-              <a:t>2016-01-21</a:t>
+              <a:t>2016-01-27</a:t>
             </a:fld>
             <a:endParaRPr lang="ko-KR" altLang="en-US"/>
           </a:p>
@@ -2270,7 +2274,7 @@
           <a:p>
             <a:fld id="{6CDF000B-DFB4-4B70-A1BE-3559BE293D3F}" type="datetime1">
               <a:rPr lang="ko-KR" altLang="en-US" smtClean="0"/>
-              <a:t>2016-01-21</a:t>
+              <a:t>2016-01-27</a:t>
             </a:fld>
             <a:endParaRPr lang="ko-KR" altLang="en-US"/>
           </a:p>
@@ -2395,7 +2399,7 @@
           <a:p>
             <a:fld id="{ED267016-71B0-4603-BBFE-956FA452E2D1}" type="datetime1">
               <a:rPr lang="ko-KR" altLang="en-US" smtClean="0"/>
-              <a:t>2016-01-21</a:t>
+              <a:t>2016-01-27</a:t>
             </a:fld>
             <a:endParaRPr lang="ko-KR" altLang="en-US"/>
           </a:p>
@@ -2497,7 +2501,7 @@
           <a:p>
             <a:fld id="{CAE436D1-BAF2-4110-B4EE-BC3791F6F456}" type="datetime1">
               <a:rPr lang="ko-KR" altLang="en-US" smtClean="0"/>
-              <a:t>2016-01-21</a:t>
+              <a:t>2016-01-27</a:t>
             </a:fld>
             <a:endParaRPr lang="ko-KR" altLang="en-US"/>
           </a:p>
@@ -2781,7 +2785,7 @@
           <a:p>
             <a:fld id="{068795F3-BF2C-4AFF-A57E-2608F9928445}" type="datetime1">
               <a:rPr lang="ko-KR" altLang="en-US" smtClean="0"/>
-              <a:t>2016-01-21</a:t>
+              <a:t>2016-01-27</a:t>
             </a:fld>
             <a:endParaRPr lang="ko-KR" altLang="en-US"/>
           </a:p>
@@ -3034,7 +3038,7 @@
           <a:p>
             <a:fld id="{56F99B02-6B5A-4015-8780-DA392778EA96}" type="datetime1">
               <a:rPr lang="ko-KR" altLang="en-US" smtClean="0"/>
-              <a:t>2016-01-21</a:t>
+              <a:t>2016-01-27</a:t>
             </a:fld>
             <a:endParaRPr lang="ko-KR" altLang="en-US"/>
           </a:p>
@@ -3250,7 +3254,7 @@
           <a:p>
             <a:fld id="{57B7B9C7-1586-4B1C-A218-E5F025B183C0}" type="datetime1">
               <a:rPr lang="ko-KR" altLang="en-US" smtClean="0"/>
-              <a:t>2016-01-21</a:t>
+              <a:t>2016-01-27</a:t>
             </a:fld>
             <a:endParaRPr lang="ko-KR" altLang="en-US"/>
           </a:p>
@@ -10935,11 +10939,6 @@
                         </a:rPr>
                         <a:t>.</a:t>
                       </a:r>
-                      <a:endParaRPr lang="en-US" altLang="ko-KR" sz="1400" dirty="0" smtClean="0">
-                        <a:solidFill>
-                          <a:schemeClr val="bg1"/>
-                        </a:solidFill>
-                      </a:endParaRPr>
                     </a:p>
                   </a:txBody>
                   <a:tcPr marL="108000" marR="108000" marT="72000" marB="72000" anchor="ctr">
@@ -13511,11 +13510,6 @@
                         </a:rPr>
                         <a:t>.</a:t>
                       </a:r>
-                      <a:endParaRPr lang="en-US" altLang="ko-KR" sz="1400" dirty="0" smtClean="0">
-                        <a:solidFill>
-                          <a:schemeClr val="bg1"/>
-                        </a:solidFill>
-                      </a:endParaRPr>
                     </a:p>
                   </a:txBody>
                   <a:tcPr marL="108000" marR="108000" marT="72000" marB="72000" anchor="ctr">
@@ -14623,7 +14617,7 @@
               <a:rPr lang="ko-KR" altLang="en-US" smtClean="0"/>
               <a:t>19</a:t>
             </a:fld>
-            <a:endParaRPr lang="ko-KR" altLang="en-US"/>
+            <a:endParaRPr lang="ko-KR" altLang="en-US" dirty="0"/>
           </a:p>
         </p:txBody>
       </p:sp>
@@ -14666,10 +14660,1604 @@
               <a:t> </a:t>
             </a:r>
             <a:r>
-              <a:rPr lang="ko-KR" altLang="en-US" sz="2400" smtClean="0"/>
+              <a:rPr lang="ko-KR" altLang="en-US" sz="2400" dirty="0" smtClean="0"/>
               <a:t>모듈은 </a:t>
             </a:r>
-            <a:endParaRPr lang="ko-KR" altLang="en-US" sz="2400" dirty="0"/>
+            <a:r>
+              <a:rPr lang="ko-KR" altLang="en-US" sz="2400" dirty="0" smtClean="0"/>
+              <a:t>프로파일 정보를 수집하는 데 사용된다</a:t>
+            </a:r>
+            <a:r>
+              <a:rPr lang="en-US" altLang="ko-KR" sz="2400" dirty="0" smtClean="0"/>
+              <a:t>.</a:t>
+            </a:r>
+          </a:p>
+          <a:p>
+            <a:r>
+              <a:rPr lang="ko-KR" altLang="en-US" sz="2400" dirty="0" smtClean="0"/>
+              <a:t>두 모듈이 동일한 방식으로 작동하기는 하지만 </a:t>
+            </a:r>
+            <a:r>
+              <a:rPr lang="en-US" altLang="ko-KR" sz="2400" dirty="0" err="1" smtClean="0"/>
+              <a:t>cProfile</a:t>
+            </a:r>
+            <a:r>
+              <a:rPr lang="ko-KR" altLang="en-US" sz="2400" dirty="0" smtClean="0"/>
+              <a:t>이 </a:t>
+            </a:r>
+            <a:r>
+              <a:rPr lang="en-US" altLang="ko-KR" sz="2400" dirty="0" smtClean="0"/>
+              <a:t>C</a:t>
+            </a:r>
+            <a:r>
+              <a:rPr lang="ko-KR" altLang="en-US" sz="2400" dirty="0" smtClean="0"/>
+              <a:t>의 확장 기능으로 구현되어 있기 때문에 상당히 빠르고 좀 더 최신 모듈이다</a:t>
+            </a:r>
+            <a:r>
+              <a:rPr lang="en-US" altLang="ko-KR" sz="2400" dirty="0" smtClean="0"/>
+              <a:t>.</a:t>
+            </a:r>
+          </a:p>
+          <a:p>
+            <a:endParaRPr lang="en-US" altLang="ko-KR" sz="2400" dirty="0"/>
+          </a:p>
+          <a:p>
+            <a:endParaRPr lang="en-US" altLang="ko-KR" sz="2400" dirty="0" smtClean="0"/>
+          </a:p>
+        </p:txBody>
+      </p:sp>
+      <p:pic>
+        <p:nvPicPr>
+          <p:cNvPr id="5" name="그림 4"/>
+          <p:cNvPicPr>
+            <a:picLocks noChangeAspect="1"/>
+          </p:cNvPicPr>
+          <p:nvPr/>
+        </p:nvPicPr>
+        <p:blipFill>
+          <a:blip r:embed="rId2"/>
+          <a:stretch>
+            <a:fillRect/>
+          </a:stretch>
+        </p:blipFill>
+        <p:spPr>
+          <a:xfrm>
+            <a:off x="1092200" y="2819808"/>
+            <a:ext cx="3722405" cy="341404"/>
+          </a:xfrm>
+          <a:prstGeom prst="rect">
+            <a:avLst/>
+          </a:prstGeom>
+        </p:spPr>
+      </p:pic>
+      <p:pic>
+        <p:nvPicPr>
+          <p:cNvPr id="6" name="그림 5"/>
+          <p:cNvPicPr>
+            <a:picLocks noChangeAspect="1"/>
+          </p:cNvPicPr>
+          <p:nvPr/>
+        </p:nvPicPr>
+        <p:blipFill>
+          <a:blip r:embed="rId3"/>
+          <a:stretch>
+            <a:fillRect/>
+          </a:stretch>
+        </p:blipFill>
+        <p:spPr>
+          <a:xfrm>
+            <a:off x="5881378" y="2819808"/>
+            <a:ext cx="3274422" cy="345403"/>
+          </a:xfrm>
+          <a:prstGeom prst="rect">
+            <a:avLst/>
+          </a:prstGeom>
+        </p:spPr>
+      </p:pic>
+      <p:sp>
+        <p:nvSpPr>
+          <p:cNvPr id="7" name="TextBox 6"/>
+          <p:cNvSpPr txBox="1"/>
+          <p:nvPr/>
+        </p:nvSpPr>
+        <p:spPr>
+          <a:xfrm>
+            <a:off x="5145852" y="2805844"/>
+            <a:ext cx="404278" cy="369332"/>
+          </a:xfrm>
+          <a:prstGeom prst="rect">
+            <a:avLst/>
+          </a:prstGeom>
+          <a:noFill/>
+        </p:spPr>
+        <p:txBody>
+          <a:bodyPr wrap="square" rtlCol="0">
+            <a:spAutoFit/>
+          </a:bodyPr>
+          <a:lstStyle/>
+          <a:p>
+            <a:r>
+              <a:rPr lang="en-US" altLang="ko-KR" dirty="0" smtClean="0"/>
+              <a:t>or</a:t>
+            </a:r>
+            <a:endParaRPr lang="ko-KR" altLang="en-US" dirty="0"/>
+          </a:p>
+        </p:txBody>
+      </p:sp>
+      <p:sp>
+        <p:nvSpPr>
+          <p:cNvPr id="9" name="TextBox 8"/>
+          <p:cNvSpPr txBox="1"/>
+          <p:nvPr/>
+        </p:nvSpPr>
+        <p:spPr>
+          <a:xfrm>
+            <a:off x="9250169" y="2678844"/>
+            <a:ext cx="2941831" cy="830997"/>
+          </a:xfrm>
+          <a:prstGeom prst="rect">
+            <a:avLst/>
+          </a:prstGeom>
+          <a:noFill/>
+        </p:spPr>
+        <p:txBody>
+          <a:bodyPr wrap="none" rtlCol="0">
+            <a:spAutoFit/>
+          </a:bodyPr>
+          <a:lstStyle/>
+          <a:p>
+            <a:r>
+              <a:rPr lang="en-US" altLang="ko-KR" sz="1200" dirty="0" smtClean="0"/>
+              <a:t>run </a:t>
+            </a:r>
+            <a:r>
+              <a:rPr lang="ko-KR" altLang="en-US" sz="1200" dirty="0" smtClean="0"/>
+              <a:t>함수는 </a:t>
+            </a:r>
+            <a:r>
+              <a:rPr lang="ko-KR" altLang="en-US" sz="1200" dirty="0" err="1" smtClean="0"/>
+              <a:t>프로파일러</a:t>
+            </a:r>
+            <a:r>
+              <a:rPr lang="ko-KR" altLang="en-US" sz="1200" dirty="0" smtClean="0"/>
+              <a:t> 속에서</a:t>
+            </a:r>
+            <a:endParaRPr lang="en-US" altLang="ko-KR" sz="1200" dirty="0" smtClean="0"/>
+          </a:p>
+          <a:p>
+            <a:r>
+              <a:rPr lang="en-US" altLang="ko-KR" sz="1200" dirty="0" smtClean="0"/>
+              <a:t>exec</a:t>
+            </a:r>
+            <a:r>
+              <a:rPr lang="ko-KR" altLang="en-US" sz="1200" dirty="0" smtClean="0"/>
+              <a:t>문으로 </a:t>
+            </a:r>
+            <a:r>
+              <a:rPr lang="en-US" altLang="ko-KR" sz="1200" dirty="0" smtClean="0"/>
+              <a:t>command</a:t>
+            </a:r>
+            <a:r>
+              <a:rPr lang="ko-KR" altLang="en-US" sz="1200" dirty="0" smtClean="0"/>
+              <a:t>의 내용을 실행</a:t>
+            </a:r>
+            <a:endParaRPr lang="en-US" altLang="ko-KR" sz="1200" dirty="0" smtClean="0"/>
+          </a:p>
+          <a:p>
+            <a:r>
+              <a:rPr lang="en-US" altLang="ko-KR" sz="1200" dirty="0" smtClean="0"/>
+              <a:t>filename</a:t>
+            </a:r>
+            <a:r>
+              <a:rPr lang="ko-KR" altLang="en-US" sz="1200" dirty="0" smtClean="0"/>
+              <a:t>은 </a:t>
+            </a:r>
+            <a:r>
+              <a:rPr lang="ko-KR" altLang="en-US" sz="1200" dirty="0" err="1" smtClean="0"/>
+              <a:t>미가공</a:t>
+            </a:r>
+            <a:r>
+              <a:rPr lang="ko-KR" altLang="en-US" sz="1200" dirty="0" smtClean="0"/>
+              <a:t> </a:t>
+            </a:r>
+            <a:r>
+              <a:rPr lang="ko-KR" altLang="en-US" sz="1200" dirty="0" err="1" smtClean="0"/>
+              <a:t>프로파일링</a:t>
+            </a:r>
+            <a:r>
+              <a:rPr lang="ko-KR" altLang="en-US" sz="1200" dirty="0" smtClean="0"/>
+              <a:t> 데이터가</a:t>
+            </a:r>
+            <a:endParaRPr lang="en-US" altLang="ko-KR" sz="1200" dirty="0" smtClean="0"/>
+          </a:p>
+          <a:p>
+            <a:r>
+              <a:rPr lang="ko-KR" altLang="en-US" sz="1200" dirty="0" smtClean="0"/>
+              <a:t>저장될 파일의 이름</a:t>
+            </a:r>
+            <a:endParaRPr lang="ko-KR" altLang="en-US" sz="1200" dirty="0"/>
+          </a:p>
+        </p:txBody>
+      </p:sp>
+      <p:pic>
+        <p:nvPicPr>
+          <p:cNvPr id="10" name="그림 9"/>
+          <p:cNvPicPr>
+            <a:picLocks noChangeAspect="1"/>
+          </p:cNvPicPr>
+          <p:nvPr/>
+        </p:nvPicPr>
+        <p:blipFill>
+          <a:blip r:embed="rId4"/>
+          <a:stretch>
+            <a:fillRect/>
+          </a:stretch>
+        </p:blipFill>
+        <p:spPr>
+          <a:xfrm>
+            <a:off x="1092200" y="3763259"/>
+            <a:ext cx="5578566" cy="1572369"/>
+          </a:xfrm>
+          <a:prstGeom prst="rect">
+            <a:avLst/>
+          </a:prstGeom>
+        </p:spPr>
+      </p:pic>
+      <p:sp>
+        <p:nvSpPr>
+          <p:cNvPr id="11" name="TextBox 10"/>
+          <p:cNvSpPr txBox="1"/>
+          <p:nvPr/>
+        </p:nvSpPr>
+        <p:spPr>
+          <a:xfrm>
+            <a:off x="2657403" y="5333019"/>
+            <a:ext cx="2448159" cy="338554"/>
+          </a:xfrm>
+          <a:prstGeom prst="rect">
+            <a:avLst/>
+          </a:prstGeom>
+          <a:noFill/>
+        </p:spPr>
+        <p:txBody>
+          <a:bodyPr wrap="square" rtlCol="0">
+            <a:spAutoFit/>
+          </a:bodyPr>
+          <a:lstStyle/>
+          <a:p>
+            <a:pPr algn="ctr"/>
+            <a:r>
+              <a:rPr lang="ko-KR" altLang="en-US" sz="1600" b="1" dirty="0" err="1" smtClean="0"/>
+              <a:t>프로파일러</a:t>
+            </a:r>
+            <a:r>
+              <a:rPr lang="ko-KR" altLang="en-US" sz="1600" b="1" dirty="0" smtClean="0"/>
+              <a:t> 실행 보고</a:t>
+            </a:r>
+            <a:endParaRPr lang="ko-KR" altLang="en-US" sz="1600" b="1" dirty="0"/>
+          </a:p>
+        </p:txBody>
+      </p:sp>
+      <p:graphicFrame>
+        <p:nvGraphicFramePr>
+          <p:cNvPr id="12" name="내용 개체 틀 3"/>
+          <p:cNvGraphicFramePr>
+            <a:graphicFrameLocks/>
+          </p:cNvGraphicFramePr>
+          <p:nvPr>
+            <p:extLst>
+              <p:ext uri="{D42A27DB-BD31-4B8C-83A1-F6EECF244321}">
+                <p14:modId xmlns:p14="http://schemas.microsoft.com/office/powerpoint/2010/main" val="2970776562"/>
+              </p:ext>
+            </p:extLst>
+          </p:nvPr>
+        </p:nvGraphicFramePr>
+        <p:xfrm>
+          <a:off x="6757477" y="3759337"/>
+          <a:ext cx="5314779" cy="2221920"/>
+        </p:xfrm>
+        <a:graphic>
+          <a:graphicData uri="http://schemas.openxmlformats.org/drawingml/2006/table">
+            <a:tbl>
+              <a:tblPr firstRow="1" bandRow="1">
+                <a:tableStyleId>{5C22544A-7EE6-4342-B048-85BDC9FD1C3A}</a:tableStyleId>
+              </a:tblPr>
+              <a:tblGrid>
+                <a:gridCol w="1881426"/>
+                <a:gridCol w="3433353"/>
+              </a:tblGrid>
+              <a:tr h="188507">
+                <a:tc>
+                  <a:txBody>
+                    <a:bodyPr/>
+                    <a:lstStyle/>
+                    <a:p>
+                      <a:pPr marL="0" algn="l" defTabSz="914400" rtl="0" eaLnBrk="1" latinLnBrk="1" hangingPunct="1"/>
+                      <a:r>
+                        <a:rPr lang="ko-KR" altLang="en-US" sz="1200" b="0" kern="1200" dirty="0" smtClean="0">
+                          <a:solidFill>
+                            <a:schemeClr val="bg1"/>
+                          </a:solidFill>
+                          <a:latin typeface="+mn-lt"/>
+                          <a:ea typeface="+mn-ea"/>
+                          <a:cs typeface="+mn-cs"/>
+                        </a:rPr>
+                        <a:t>구역</a:t>
+                      </a:r>
+                      <a:endParaRPr lang="ko-KR" altLang="en-US" sz="1200" b="0" kern="1200" dirty="0">
+                        <a:solidFill>
+                          <a:schemeClr val="bg1"/>
+                        </a:solidFill>
+                        <a:latin typeface="+mn-lt"/>
+                        <a:ea typeface="+mn-ea"/>
+                        <a:cs typeface="+mn-cs"/>
+                      </a:endParaRPr>
+                    </a:p>
+                  </a:txBody>
+                  <a:tcPr marL="72000" marR="72000" marT="36000" marB="36000" anchor="ctr">
+                    <a:lnL w="12700" cap="flat" cmpd="sng" algn="ctr">
+                      <a:solidFill>
+                        <a:schemeClr val="bg1"/>
+                      </a:solidFill>
+                      <a:prstDash val="solid"/>
+                      <a:round/>
+                      <a:headEnd type="none" w="med" len="med"/>
+                      <a:tailEnd type="none" w="med" len="med"/>
+                    </a:lnL>
+                    <a:lnR w="12700" cap="flat" cmpd="sng" algn="ctr">
+                      <a:solidFill>
+                        <a:schemeClr val="bg1"/>
+                      </a:solidFill>
+                      <a:prstDash val="solid"/>
+                      <a:round/>
+                      <a:headEnd type="none" w="med" len="med"/>
+                      <a:tailEnd type="none" w="med" len="med"/>
+                    </a:lnR>
+                    <a:lnT w="12700" cap="flat" cmpd="sng" algn="ctr">
+                      <a:solidFill>
+                        <a:schemeClr val="bg1"/>
+                      </a:solidFill>
+                      <a:prstDash val="solid"/>
+                      <a:round/>
+                      <a:headEnd type="none" w="med" len="med"/>
+                      <a:tailEnd type="none" w="med" len="med"/>
+                    </a:lnT>
+                    <a:lnB w="12700" cap="flat" cmpd="sng" algn="ctr">
+                      <a:solidFill>
+                        <a:schemeClr val="bg1"/>
+                      </a:solidFill>
+                      <a:prstDash val="solid"/>
+                      <a:round/>
+                      <a:headEnd type="none" w="med" len="med"/>
+                      <a:tailEnd type="none" w="med" len="med"/>
+                    </a:lnB>
+                    <a:lnTlToBr w="12700" cmpd="sng">
+                      <a:noFill/>
+                      <a:prstDash val="solid"/>
+                    </a:lnTlToBr>
+                    <a:lnBlToTr w="12700" cmpd="sng">
+                      <a:noFill/>
+                      <a:prstDash val="solid"/>
+                    </a:lnBlToTr>
+                    <a:solidFill>
+                      <a:srgbClr val="232323"/>
+                    </a:solidFill>
+                  </a:tcPr>
+                </a:tc>
+                <a:tc>
+                  <a:txBody>
+                    <a:bodyPr/>
+                    <a:lstStyle/>
+                    <a:p>
+                      <a:pPr marL="0" algn="l" defTabSz="914400" rtl="0" eaLnBrk="1" latinLnBrk="1" hangingPunct="1"/>
+                      <a:r>
+                        <a:rPr lang="ko-KR" altLang="en-US" sz="1200" b="0" kern="1200" dirty="0" smtClean="0">
+                          <a:solidFill>
+                            <a:schemeClr val="bg1"/>
+                          </a:solidFill>
+                          <a:latin typeface="+mn-lt"/>
+                          <a:ea typeface="+mn-ea"/>
+                          <a:cs typeface="+mn-cs"/>
+                        </a:rPr>
+                        <a:t>설명</a:t>
+                      </a:r>
+                      <a:endParaRPr lang="ko-KR" altLang="en-US" sz="1200" b="0" kern="1200" dirty="0">
+                        <a:solidFill>
+                          <a:schemeClr val="bg1"/>
+                        </a:solidFill>
+                        <a:latin typeface="+mn-lt"/>
+                        <a:ea typeface="+mn-ea"/>
+                        <a:cs typeface="+mn-cs"/>
+                      </a:endParaRPr>
+                    </a:p>
+                  </a:txBody>
+                  <a:tcPr marL="72000" marR="72000" marT="36000" marB="36000" anchor="ctr">
+                    <a:lnL w="12700" cap="flat" cmpd="sng" algn="ctr">
+                      <a:solidFill>
+                        <a:schemeClr val="bg1"/>
+                      </a:solidFill>
+                      <a:prstDash val="solid"/>
+                      <a:round/>
+                      <a:headEnd type="none" w="med" len="med"/>
+                      <a:tailEnd type="none" w="med" len="med"/>
+                    </a:lnL>
+                    <a:lnR w="12700" cap="flat" cmpd="sng" algn="ctr">
+                      <a:solidFill>
+                        <a:schemeClr val="bg1"/>
+                      </a:solidFill>
+                      <a:prstDash val="solid"/>
+                      <a:round/>
+                      <a:headEnd type="none" w="med" len="med"/>
+                      <a:tailEnd type="none" w="med" len="med"/>
+                    </a:lnR>
+                    <a:lnT w="12700" cap="flat" cmpd="sng" algn="ctr">
+                      <a:solidFill>
+                        <a:schemeClr val="bg1"/>
+                      </a:solidFill>
+                      <a:prstDash val="solid"/>
+                      <a:round/>
+                      <a:headEnd type="none" w="med" len="med"/>
+                      <a:tailEnd type="none" w="med" len="med"/>
+                    </a:lnT>
+                    <a:lnB w="12700" cap="flat" cmpd="sng" algn="ctr">
+                      <a:solidFill>
+                        <a:schemeClr val="bg1"/>
+                      </a:solidFill>
+                      <a:prstDash val="solid"/>
+                      <a:round/>
+                      <a:headEnd type="none" w="med" len="med"/>
+                      <a:tailEnd type="none" w="med" len="med"/>
+                    </a:lnB>
+                    <a:lnTlToBr w="12700" cmpd="sng">
+                      <a:noFill/>
+                      <a:prstDash val="solid"/>
+                    </a:lnTlToBr>
+                    <a:lnBlToTr w="12700" cmpd="sng">
+                      <a:noFill/>
+                      <a:prstDash val="solid"/>
+                    </a:lnBlToTr>
+                    <a:solidFill>
+                      <a:srgbClr val="232323"/>
+                    </a:solidFill>
+                  </a:tcPr>
+                </a:tc>
+              </a:tr>
+              <a:tr h="188507">
+                <a:tc>
+                  <a:txBody>
+                    <a:bodyPr/>
+                    <a:lstStyle/>
+                    <a:p>
+                      <a:pPr algn="l" latinLnBrk="1"/>
+                      <a:r>
+                        <a:rPr lang="en-US" altLang="ko-KR" sz="1200" dirty="0" smtClean="0">
+                          <a:solidFill>
+                            <a:schemeClr val="bg1"/>
+                          </a:solidFill>
+                        </a:rPr>
+                        <a:t>primitive calls</a:t>
+                      </a:r>
+                      <a:endParaRPr lang="ko-KR" altLang="en-US" sz="1200" dirty="0">
+                        <a:solidFill>
+                          <a:schemeClr val="bg1"/>
+                        </a:solidFill>
+                      </a:endParaRPr>
+                    </a:p>
+                  </a:txBody>
+                  <a:tcPr marL="72000" marR="72000" marT="36000" marB="36000" anchor="ctr">
+                    <a:lnL w="12700" cap="flat" cmpd="sng" algn="ctr">
+                      <a:solidFill>
+                        <a:schemeClr val="bg1"/>
+                      </a:solidFill>
+                      <a:prstDash val="solid"/>
+                      <a:round/>
+                      <a:headEnd type="none" w="med" len="med"/>
+                      <a:tailEnd type="none" w="med" len="med"/>
+                    </a:lnL>
+                    <a:lnR w="12700" cap="flat" cmpd="sng" algn="ctr">
+                      <a:solidFill>
+                        <a:schemeClr val="bg1"/>
+                      </a:solidFill>
+                      <a:prstDash val="solid"/>
+                      <a:round/>
+                      <a:headEnd type="none" w="med" len="med"/>
+                      <a:tailEnd type="none" w="med" len="med"/>
+                    </a:lnR>
+                    <a:lnT w="12700" cap="flat" cmpd="sng" algn="ctr">
+                      <a:solidFill>
+                        <a:schemeClr val="bg1"/>
+                      </a:solidFill>
+                      <a:prstDash val="solid"/>
+                      <a:round/>
+                      <a:headEnd type="none" w="med" len="med"/>
+                      <a:tailEnd type="none" w="med" len="med"/>
+                    </a:lnT>
+                    <a:lnB w="12700" cap="flat" cmpd="sng" algn="ctr">
+                      <a:solidFill>
+                        <a:schemeClr val="bg1"/>
+                      </a:solidFill>
+                      <a:prstDash val="solid"/>
+                      <a:round/>
+                      <a:headEnd type="none" w="med" len="med"/>
+                      <a:tailEnd type="none" w="med" len="med"/>
+                    </a:lnB>
+                    <a:lnTlToBr w="12700" cmpd="sng">
+                      <a:noFill/>
+                      <a:prstDash val="solid"/>
+                    </a:lnTlToBr>
+                    <a:lnBlToTr w="12700" cmpd="sng">
+                      <a:noFill/>
+                      <a:prstDash val="solid"/>
+                    </a:lnBlToTr>
+                    <a:solidFill>
+                      <a:srgbClr val="232323"/>
+                    </a:solidFill>
+                  </a:tcPr>
+                </a:tc>
+                <a:tc>
+                  <a:txBody>
+                    <a:bodyPr/>
+                    <a:lstStyle/>
+                    <a:p>
+                      <a:pPr algn="l" latinLnBrk="1"/>
+                      <a:r>
+                        <a:rPr lang="ko-KR" altLang="en-US" sz="1200" dirty="0" err="1" smtClean="0">
+                          <a:solidFill>
+                            <a:schemeClr val="bg1"/>
+                          </a:solidFill>
+                        </a:rPr>
+                        <a:t>비재귀</a:t>
+                      </a:r>
+                      <a:r>
+                        <a:rPr lang="ko-KR" altLang="en-US" sz="1200" dirty="0" smtClean="0">
+                          <a:solidFill>
+                            <a:schemeClr val="bg1"/>
+                          </a:solidFill>
+                        </a:rPr>
+                        <a:t> 함수 호출 횟수</a:t>
+                      </a:r>
+                      <a:endParaRPr lang="ko-KR" altLang="en-US" sz="1200" dirty="0">
+                        <a:solidFill>
+                          <a:schemeClr val="bg1"/>
+                        </a:solidFill>
+                      </a:endParaRPr>
+                    </a:p>
+                  </a:txBody>
+                  <a:tcPr marL="72000" marR="72000" marT="36000" marB="36000" anchor="ctr">
+                    <a:lnL w="12700" cap="flat" cmpd="sng" algn="ctr">
+                      <a:solidFill>
+                        <a:schemeClr val="bg1"/>
+                      </a:solidFill>
+                      <a:prstDash val="solid"/>
+                      <a:round/>
+                      <a:headEnd type="none" w="med" len="med"/>
+                      <a:tailEnd type="none" w="med" len="med"/>
+                    </a:lnL>
+                    <a:lnR w="12700" cap="flat" cmpd="sng" algn="ctr">
+                      <a:solidFill>
+                        <a:schemeClr val="bg1"/>
+                      </a:solidFill>
+                      <a:prstDash val="solid"/>
+                      <a:round/>
+                      <a:headEnd type="none" w="med" len="med"/>
+                      <a:tailEnd type="none" w="med" len="med"/>
+                    </a:lnR>
+                    <a:lnT w="12700" cap="flat" cmpd="sng" algn="ctr">
+                      <a:solidFill>
+                        <a:schemeClr val="bg1"/>
+                      </a:solidFill>
+                      <a:prstDash val="solid"/>
+                      <a:round/>
+                      <a:headEnd type="none" w="med" len="med"/>
+                      <a:tailEnd type="none" w="med" len="med"/>
+                    </a:lnT>
+                    <a:lnB w="12700" cap="flat" cmpd="sng" algn="ctr">
+                      <a:solidFill>
+                        <a:schemeClr val="bg1"/>
+                      </a:solidFill>
+                      <a:prstDash val="solid"/>
+                      <a:round/>
+                      <a:headEnd type="none" w="med" len="med"/>
+                      <a:tailEnd type="none" w="med" len="med"/>
+                    </a:lnB>
+                    <a:lnTlToBr w="12700" cmpd="sng">
+                      <a:noFill/>
+                      <a:prstDash val="solid"/>
+                    </a:lnTlToBr>
+                    <a:lnBlToTr w="12700" cmpd="sng">
+                      <a:noFill/>
+                      <a:prstDash val="solid"/>
+                    </a:lnBlToTr>
+                    <a:solidFill>
+                      <a:srgbClr val="232323"/>
+                    </a:solidFill>
+                  </a:tcPr>
+                </a:tc>
+              </a:tr>
+              <a:tr h="188507">
+                <a:tc>
+                  <a:txBody>
+                    <a:bodyPr/>
+                    <a:lstStyle/>
+                    <a:p>
+                      <a:pPr algn="l" latinLnBrk="1"/>
+                      <a:r>
+                        <a:rPr lang="en-US" altLang="ko-KR" sz="1200" dirty="0" err="1" smtClean="0">
+                          <a:solidFill>
+                            <a:schemeClr val="bg1"/>
+                          </a:solidFill>
+                        </a:rPr>
+                        <a:t>ncalls</a:t>
+                      </a:r>
+                      <a:endParaRPr lang="ko-KR" altLang="en-US" sz="1200" dirty="0">
+                        <a:solidFill>
+                          <a:schemeClr val="bg1"/>
+                        </a:solidFill>
+                      </a:endParaRPr>
+                    </a:p>
+                  </a:txBody>
+                  <a:tcPr marL="72000" marR="72000" marT="36000" marB="36000" anchor="ctr">
+                    <a:lnL w="12700" cap="flat" cmpd="sng" algn="ctr">
+                      <a:solidFill>
+                        <a:schemeClr val="bg1"/>
+                      </a:solidFill>
+                      <a:prstDash val="solid"/>
+                      <a:round/>
+                      <a:headEnd type="none" w="med" len="med"/>
+                      <a:tailEnd type="none" w="med" len="med"/>
+                    </a:lnL>
+                    <a:lnR w="12700" cap="flat" cmpd="sng" algn="ctr">
+                      <a:solidFill>
+                        <a:schemeClr val="bg1"/>
+                      </a:solidFill>
+                      <a:prstDash val="solid"/>
+                      <a:round/>
+                      <a:headEnd type="none" w="med" len="med"/>
+                      <a:tailEnd type="none" w="med" len="med"/>
+                    </a:lnR>
+                    <a:lnT w="12700" cap="flat" cmpd="sng" algn="ctr">
+                      <a:solidFill>
+                        <a:schemeClr val="bg1"/>
+                      </a:solidFill>
+                      <a:prstDash val="solid"/>
+                      <a:round/>
+                      <a:headEnd type="none" w="med" len="med"/>
+                      <a:tailEnd type="none" w="med" len="med"/>
+                    </a:lnT>
+                    <a:lnB w="12700" cap="flat" cmpd="sng" algn="ctr">
+                      <a:solidFill>
+                        <a:schemeClr val="bg1"/>
+                      </a:solidFill>
+                      <a:prstDash val="solid"/>
+                      <a:round/>
+                      <a:headEnd type="none" w="med" len="med"/>
+                      <a:tailEnd type="none" w="med" len="med"/>
+                    </a:lnB>
+                    <a:lnTlToBr w="12700" cmpd="sng">
+                      <a:noFill/>
+                      <a:prstDash val="solid"/>
+                    </a:lnTlToBr>
+                    <a:lnBlToTr w="12700" cmpd="sng">
+                      <a:noFill/>
+                      <a:prstDash val="solid"/>
+                    </a:lnBlToTr>
+                    <a:solidFill>
+                      <a:srgbClr val="232323"/>
+                    </a:solidFill>
+                  </a:tcPr>
+                </a:tc>
+                <a:tc>
+                  <a:txBody>
+                    <a:bodyPr/>
+                    <a:lstStyle/>
+                    <a:p>
+                      <a:pPr algn="l" latinLnBrk="1"/>
+                      <a:r>
+                        <a:rPr lang="ko-KR" altLang="en-US" sz="1200" dirty="0" smtClean="0">
+                          <a:solidFill>
+                            <a:schemeClr val="bg1"/>
+                          </a:solidFill>
+                        </a:rPr>
+                        <a:t>총 호출 횟수</a:t>
+                      </a:r>
+                      <a:r>
+                        <a:rPr lang="en-US" altLang="ko-KR" sz="1200" dirty="0" smtClean="0">
+                          <a:solidFill>
+                            <a:schemeClr val="bg1"/>
+                          </a:solidFill>
+                        </a:rPr>
+                        <a:t>(</a:t>
+                      </a:r>
+                      <a:r>
+                        <a:rPr lang="ko-KR" altLang="en-US" sz="1200" dirty="0" smtClean="0">
+                          <a:solidFill>
+                            <a:schemeClr val="bg1"/>
+                          </a:solidFill>
+                        </a:rPr>
+                        <a:t>자신에 대한 호출도 포함</a:t>
+                      </a:r>
+                      <a:r>
+                        <a:rPr lang="en-US" altLang="ko-KR" sz="1200" dirty="0" smtClean="0">
+                          <a:solidFill>
+                            <a:schemeClr val="bg1"/>
+                          </a:solidFill>
+                        </a:rPr>
+                        <a:t>)</a:t>
+                      </a:r>
+                      <a:endParaRPr lang="en-US" altLang="ko-KR" sz="1200" dirty="0" smtClean="0">
+                        <a:solidFill>
+                          <a:schemeClr val="bg1"/>
+                        </a:solidFill>
+                      </a:endParaRPr>
+                    </a:p>
+                  </a:txBody>
+                  <a:tcPr marL="72000" marR="72000" marT="36000" marB="36000" anchor="ctr">
+                    <a:lnL w="12700" cap="flat" cmpd="sng" algn="ctr">
+                      <a:solidFill>
+                        <a:schemeClr val="bg1"/>
+                      </a:solidFill>
+                      <a:prstDash val="solid"/>
+                      <a:round/>
+                      <a:headEnd type="none" w="med" len="med"/>
+                      <a:tailEnd type="none" w="med" len="med"/>
+                    </a:lnL>
+                    <a:lnR w="12700" cap="flat" cmpd="sng" algn="ctr">
+                      <a:solidFill>
+                        <a:schemeClr val="bg1"/>
+                      </a:solidFill>
+                      <a:prstDash val="solid"/>
+                      <a:round/>
+                      <a:headEnd type="none" w="med" len="med"/>
+                      <a:tailEnd type="none" w="med" len="med"/>
+                    </a:lnR>
+                    <a:lnT w="12700" cap="flat" cmpd="sng" algn="ctr">
+                      <a:solidFill>
+                        <a:schemeClr val="bg1"/>
+                      </a:solidFill>
+                      <a:prstDash val="solid"/>
+                      <a:round/>
+                      <a:headEnd type="none" w="med" len="med"/>
+                      <a:tailEnd type="none" w="med" len="med"/>
+                    </a:lnT>
+                    <a:lnB w="12700" cap="flat" cmpd="sng" algn="ctr">
+                      <a:solidFill>
+                        <a:schemeClr val="bg1"/>
+                      </a:solidFill>
+                      <a:prstDash val="solid"/>
+                      <a:round/>
+                      <a:headEnd type="none" w="med" len="med"/>
+                      <a:tailEnd type="none" w="med" len="med"/>
+                    </a:lnB>
+                    <a:lnTlToBr w="12700" cmpd="sng">
+                      <a:noFill/>
+                      <a:prstDash val="solid"/>
+                    </a:lnTlToBr>
+                    <a:lnBlToTr w="12700" cmpd="sng">
+                      <a:noFill/>
+                      <a:prstDash val="solid"/>
+                    </a:lnBlToTr>
+                    <a:solidFill>
+                      <a:srgbClr val="232323"/>
+                    </a:solidFill>
+                  </a:tcPr>
+                </a:tc>
+              </a:tr>
+              <a:tr h="323764">
+                <a:tc>
+                  <a:txBody>
+                    <a:bodyPr/>
+                    <a:lstStyle/>
+                    <a:p>
+                      <a:pPr algn="l" latinLnBrk="1"/>
+                      <a:r>
+                        <a:rPr lang="en-US" altLang="ko-KR" sz="1200" dirty="0" err="1" smtClean="0">
+                          <a:solidFill>
+                            <a:schemeClr val="bg1"/>
+                          </a:solidFill>
+                        </a:rPr>
+                        <a:t>tottime</a:t>
+                      </a:r>
+                      <a:endParaRPr lang="ko-KR" altLang="en-US" sz="1200" dirty="0">
+                        <a:solidFill>
+                          <a:schemeClr val="bg1"/>
+                        </a:solidFill>
+                      </a:endParaRPr>
+                    </a:p>
+                  </a:txBody>
+                  <a:tcPr marL="72000" marR="72000" marT="36000" marB="36000" anchor="ctr">
+                    <a:lnL w="12700" cap="flat" cmpd="sng" algn="ctr">
+                      <a:solidFill>
+                        <a:schemeClr val="bg1"/>
+                      </a:solidFill>
+                      <a:prstDash val="solid"/>
+                      <a:round/>
+                      <a:headEnd type="none" w="med" len="med"/>
+                      <a:tailEnd type="none" w="med" len="med"/>
+                    </a:lnL>
+                    <a:lnR w="12700" cap="flat" cmpd="sng" algn="ctr">
+                      <a:solidFill>
+                        <a:schemeClr val="bg1"/>
+                      </a:solidFill>
+                      <a:prstDash val="solid"/>
+                      <a:round/>
+                      <a:headEnd type="none" w="med" len="med"/>
+                      <a:tailEnd type="none" w="med" len="med"/>
+                    </a:lnR>
+                    <a:lnT w="12700" cap="flat" cmpd="sng" algn="ctr">
+                      <a:solidFill>
+                        <a:schemeClr val="bg1"/>
+                      </a:solidFill>
+                      <a:prstDash val="solid"/>
+                      <a:round/>
+                      <a:headEnd type="none" w="med" len="med"/>
+                      <a:tailEnd type="none" w="med" len="med"/>
+                    </a:lnT>
+                    <a:lnB w="12700" cap="flat" cmpd="sng" algn="ctr">
+                      <a:solidFill>
+                        <a:schemeClr val="bg1"/>
+                      </a:solidFill>
+                      <a:prstDash val="solid"/>
+                      <a:round/>
+                      <a:headEnd type="none" w="med" len="med"/>
+                      <a:tailEnd type="none" w="med" len="med"/>
+                    </a:lnB>
+                    <a:lnTlToBr w="12700" cmpd="sng">
+                      <a:noFill/>
+                      <a:prstDash val="solid"/>
+                    </a:lnTlToBr>
+                    <a:lnBlToTr w="12700" cmpd="sng">
+                      <a:noFill/>
+                      <a:prstDash val="solid"/>
+                    </a:lnBlToTr>
+                    <a:solidFill>
+                      <a:srgbClr val="232323"/>
+                    </a:solidFill>
+                  </a:tcPr>
+                </a:tc>
+                <a:tc>
+                  <a:txBody>
+                    <a:bodyPr/>
+                    <a:lstStyle/>
+                    <a:p>
+                      <a:pPr algn="l" latinLnBrk="1"/>
+                      <a:r>
+                        <a:rPr lang="ko-KR" altLang="en-US" sz="1200" dirty="0" smtClean="0">
+                          <a:solidFill>
+                            <a:schemeClr val="bg1"/>
+                          </a:solidFill>
+                        </a:rPr>
+                        <a:t>이 함수에 머무른 시간</a:t>
+                      </a:r>
+                      <a:endParaRPr lang="en-US" altLang="ko-KR" sz="1200" dirty="0" smtClean="0">
+                        <a:solidFill>
+                          <a:schemeClr val="bg1"/>
+                        </a:solidFill>
+                      </a:endParaRPr>
+                    </a:p>
+                    <a:p>
+                      <a:pPr algn="l" latinLnBrk="1"/>
+                      <a:r>
+                        <a:rPr lang="en-US" altLang="ko-KR" sz="1200" dirty="0" smtClean="0">
+                          <a:solidFill>
+                            <a:schemeClr val="bg1"/>
+                          </a:solidFill>
+                        </a:rPr>
+                        <a:t>(</a:t>
+                      </a:r>
+                      <a:r>
+                        <a:rPr lang="ko-KR" altLang="en-US" sz="1200" dirty="0" smtClean="0">
+                          <a:solidFill>
+                            <a:schemeClr val="bg1"/>
+                          </a:solidFill>
+                        </a:rPr>
+                        <a:t>하위 함수는 고려하지 않음</a:t>
+                      </a:r>
+                      <a:r>
+                        <a:rPr lang="en-US" altLang="ko-KR" sz="1200" dirty="0" smtClean="0">
+                          <a:solidFill>
+                            <a:schemeClr val="bg1"/>
+                          </a:solidFill>
+                        </a:rPr>
+                        <a:t>)</a:t>
+                      </a:r>
+                      <a:endParaRPr lang="ko-KR" altLang="en-US" sz="1200" dirty="0">
+                        <a:solidFill>
+                          <a:schemeClr val="bg1"/>
+                        </a:solidFill>
+                      </a:endParaRPr>
+                    </a:p>
+                  </a:txBody>
+                  <a:tcPr marL="72000" marR="72000" marT="36000" marB="36000" anchor="ctr">
+                    <a:lnL w="12700" cap="flat" cmpd="sng" algn="ctr">
+                      <a:solidFill>
+                        <a:schemeClr val="bg1"/>
+                      </a:solidFill>
+                      <a:prstDash val="solid"/>
+                      <a:round/>
+                      <a:headEnd type="none" w="med" len="med"/>
+                      <a:tailEnd type="none" w="med" len="med"/>
+                    </a:lnL>
+                    <a:lnR w="12700" cap="flat" cmpd="sng" algn="ctr">
+                      <a:solidFill>
+                        <a:schemeClr val="bg1"/>
+                      </a:solidFill>
+                      <a:prstDash val="solid"/>
+                      <a:round/>
+                      <a:headEnd type="none" w="med" len="med"/>
+                      <a:tailEnd type="none" w="med" len="med"/>
+                    </a:lnR>
+                    <a:lnT w="12700" cap="flat" cmpd="sng" algn="ctr">
+                      <a:solidFill>
+                        <a:schemeClr val="bg1"/>
+                      </a:solidFill>
+                      <a:prstDash val="solid"/>
+                      <a:round/>
+                      <a:headEnd type="none" w="med" len="med"/>
+                      <a:tailEnd type="none" w="med" len="med"/>
+                    </a:lnT>
+                    <a:lnB w="12700" cap="flat" cmpd="sng" algn="ctr">
+                      <a:solidFill>
+                        <a:schemeClr val="bg1"/>
+                      </a:solidFill>
+                      <a:prstDash val="solid"/>
+                      <a:round/>
+                      <a:headEnd type="none" w="med" len="med"/>
+                      <a:tailEnd type="none" w="med" len="med"/>
+                    </a:lnB>
+                    <a:lnTlToBr w="12700" cmpd="sng">
+                      <a:noFill/>
+                      <a:prstDash val="solid"/>
+                    </a:lnTlToBr>
+                    <a:lnBlToTr w="12700" cmpd="sng">
+                      <a:noFill/>
+                      <a:prstDash val="solid"/>
+                    </a:lnBlToTr>
+                    <a:solidFill>
+                      <a:srgbClr val="232323"/>
+                    </a:solidFill>
+                  </a:tcPr>
+                </a:tc>
+              </a:tr>
+              <a:tr h="188507">
+                <a:tc>
+                  <a:txBody>
+                    <a:bodyPr/>
+                    <a:lstStyle/>
+                    <a:p>
+                      <a:pPr algn="l" latinLnBrk="1"/>
+                      <a:r>
+                        <a:rPr lang="en-US" altLang="ko-KR" sz="1200" dirty="0" err="1" smtClean="0">
+                          <a:solidFill>
+                            <a:schemeClr val="bg1"/>
+                          </a:solidFill>
+                        </a:rPr>
+                        <a:t>percall</a:t>
+                      </a:r>
+                      <a:endParaRPr lang="ko-KR" altLang="en-US" sz="1200" dirty="0">
+                        <a:solidFill>
+                          <a:schemeClr val="bg1"/>
+                        </a:solidFill>
+                      </a:endParaRPr>
+                    </a:p>
+                  </a:txBody>
+                  <a:tcPr marL="72000" marR="72000" marT="36000" marB="36000" anchor="ctr">
+                    <a:lnL w="12700" cap="flat" cmpd="sng" algn="ctr">
+                      <a:solidFill>
+                        <a:schemeClr val="bg1"/>
+                      </a:solidFill>
+                      <a:prstDash val="solid"/>
+                      <a:round/>
+                      <a:headEnd type="none" w="med" len="med"/>
+                      <a:tailEnd type="none" w="med" len="med"/>
+                    </a:lnL>
+                    <a:lnR w="12700" cap="flat" cmpd="sng" algn="ctr">
+                      <a:solidFill>
+                        <a:schemeClr val="bg1"/>
+                      </a:solidFill>
+                      <a:prstDash val="solid"/>
+                      <a:round/>
+                      <a:headEnd type="none" w="med" len="med"/>
+                      <a:tailEnd type="none" w="med" len="med"/>
+                    </a:lnR>
+                    <a:lnT w="12700" cap="flat" cmpd="sng" algn="ctr">
+                      <a:solidFill>
+                        <a:schemeClr val="bg1"/>
+                      </a:solidFill>
+                      <a:prstDash val="solid"/>
+                      <a:round/>
+                      <a:headEnd type="none" w="med" len="med"/>
+                      <a:tailEnd type="none" w="med" len="med"/>
+                    </a:lnT>
+                    <a:lnB w="12700" cap="flat" cmpd="sng" algn="ctr">
+                      <a:solidFill>
+                        <a:schemeClr val="bg1"/>
+                      </a:solidFill>
+                      <a:prstDash val="solid"/>
+                      <a:round/>
+                      <a:headEnd type="none" w="med" len="med"/>
+                      <a:tailEnd type="none" w="med" len="med"/>
+                    </a:lnB>
+                    <a:lnTlToBr w="12700" cmpd="sng">
+                      <a:noFill/>
+                      <a:prstDash val="solid"/>
+                    </a:lnTlToBr>
+                    <a:lnBlToTr w="12700" cmpd="sng">
+                      <a:noFill/>
+                      <a:prstDash val="solid"/>
+                    </a:lnBlToTr>
+                    <a:solidFill>
+                      <a:srgbClr val="232323"/>
+                    </a:solidFill>
+                  </a:tcPr>
+                </a:tc>
+                <a:tc>
+                  <a:txBody>
+                    <a:bodyPr/>
+                    <a:lstStyle/>
+                    <a:p>
+                      <a:pPr algn="l" latinLnBrk="1"/>
+                      <a:r>
+                        <a:rPr lang="en-US" altLang="ko-KR" sz="1200" dirty="0" err="1" smtClean="0">
+                          <a:solidFill>
+                            <a:schemeClr val="bg1"/>
+                          </a:solidFill>
+                        </a:rPr>
+                        <a:t>tottime</a:t>
+                      </a:r>
+                      <a:r>
+                        <a:rPr lang="en-US" altLang="ko-KR" sz="1200" dirty="0" smtClean="0">
+                          <a:solidFill>
+                            <a:schemeClr val="bg1"/>
+                          </a:solidFill>
+                        </a:rPr>
+                        <a:t>/</a:t>
+                      </a:r>
+                      <a:r>
+                        <a:rPr lang="en-US" altLang="ko-KR" sz="1200" dirty="0" err="1" smtClean="0">
+                          <a:solidFill>
+                            <a:schemeClr val="bg1"/>
+                          </a:solidFill>
+                        </a:rPr>
+                        <a:t>ncalls</a:t>
+                      </a:r>
+                      <a:endParaRPr lang="ko-KR" altLang="en-US" sz="1200" dirty="0">
+                        <a:solidFill>
+                          <a:schemeClr val="bg1"/>
+                        </a:solidFill>
+                      </a:endParaRPr>
+                    </a:p>
+                  </a:txBody>
+                  <a:tcPr marL="72000" marR="72000" marT="36000" marB="36000" anchor="ctr">
+                    <a:lnL w="12700" cap="flat" cmpd="sng" algn="ctr">
+                      <a:solidFill>
+                        <a:schemeClr val="bg1"/>
+                      </a:solidFill>
+                      <a:prstDash val="solid"/>
+                      <a:round/>
+                      <a:headEnd type="none" w="med" len="med"/>
+                      <a:tailEnd type="none" w="med" len="med"/>
+                    </a:lnL>
+                    <a:lnR w="12700" cap="flat" cmpd="sng" algn="ctr">
+                      <a:solidFill>
+                        <a:schemeClr val="bg1"/>
+                      </a:solidFill>
+                      <a:prstDash val="solid"/>
+                      <a:round/>
+                      <a:headEnd type="none" w="med" len="med"/>
+                      <a:tailEnd type="none" w="med" len="med"/>
+                    </a:lnR>
+                    <a:lnT w="12700" cap="flat" cmpd="sng" algn="ctr">
+                      <a:solidFill>
+                        <a:schemeClr val="bg1"/>
+                      </a:solidFill>
+                      <a:prstDash val="solid"/>
+                      <a:round/>
+                      <a:headEnd type="none" w="med" len="med"/>
+                      <a:tailEnd type="none" w="med" len="med"/>
+                    </a:lnT>
+                    <a:lnB w="12700" cap="flat" cmpd="sng" algn="ctr">
+                      <a:solidFill>
+                        <a:schemeClr val="bg1"/>
+                      </a:solidFill>
+                      <a:prstDash val="solid"/>
+                      <a:round/>
+                      <a:headEnd type="none" w="med" len="med"/>
+                      <a:tailEnd type="none" w="med" len="med"/>
+                    </a:lnB>
+                    <a:lnTlToBr w="12700" cmpd="sng">
+                      <a:noFill/>
+                      <a:prstDash val="solid"/>
+                    </a:lnTlToBr>
+                    <a:lnBlToTr w="12700" cmpd="sng">
+                      <a:noFill/>
+                      <a:prstDash val="solid"/>
+                    </a:lnBlToTr>
+                    <a:solidFill>
+                      <a:srgbClr val="232323"/>
+                    </a:solidFill>
+                  </a:tcPr>
+                </a:tc>
+              </a:tr>
+              <a:tr h="188507">
+                <a:tc>
+                  <a:txBody>
+                    <a:bodyPr/>
+                    <a:lstStyle/>
+                    <a:p>
+                      <a:pPr algn="l" latinLnBrk="1"/>
+                      <a:r>
+                        <a:rPr lang="en-US" altLang="ko-KR" sz="1200" dirty="0" err="1" smtClean="0">
+                          <a:solidFill>
+                            <a:schemeClr val="bg1"/>
+                          </a:solidFill>
+                        </a:rPr>
+                        <a:t>cumtime</a:t>
+                      </a:r>
+                      <a:endParaRPr lang="ko-KR" altLang="en-US" sz="1200" dirty="0">
+                        <a:solidFill>
+                          <a:schemeClr val="bg1"/>
+                        </a:solidFill>
+                      </a:endParaRPr>
+                    </a:p>
+                  </a:txBody>
+                  <a:tcPr marL="72000" marR="72000" marT="36000" marB="36000" anchor="ctr">
+                    <a:lnL w="12700" cap="flat" cmpd="sng" algn="ctr">
+                      <a:solidFill>
+                        <a:schemeClr val="bg1"/>
+                      </a:solidFill>
+                      <a:prstDash val="solid"/>
+                      <a:round/>
+                      <a:headEnd type="none" w="med" len="med"/>
+                      <a:tailEnd type="none" w="med" len="med"/>
+                    </a:lnL>
+                    <a:lnR w="12700" cap="flat" cmpd="sng" algn="ctr">
+                      <a:solidFill>
+                        <a:schemeClr val="bg1"/>
+                      </a:solidFill>
+                      <a:prstDash val="solid"/>
+                      <a:round/>
+                      <a:headEnd type="none" w="med" len="med"/>
+                      <a:tailEnd type="none" w="med" len="med"/>
+                    </a:lnR>
+                    <a:lnT w="12700" cap="flat" cmpd="sng" algn="ctr">
+                      <a:solidFill>
+                        <a:schemeClr val="bg1"/>
+                      </a:solidFill>
+                      <a:prstDash val="solid"/>
+                      <a:round/>
+                      <a:headEnd type="none" w="med" len="med"/>
+                      <a:tailEnd type="none" w="med" len="med"/>
+                    </a:lnT>
+                    <a:lnB w="12700" cap="flat" cmpd="sng" algn="ctr">
+                      <a:solidFill>
+                        <a:schemeClr val="bg1"/>
+                      </a:solidFill>
+                      <a:prstDash val="solid"/>
+                      <a:round/>
+                      <a:headEnd type="none" w="med" len="med"/>
+                      <a:tailEnd type="none" w="med" len="med"/>
+                    </a:lnB>
+                    <a:lnTlToBr w="12700" cmpd="sng">
+                      <a:noFill/>
+                      <a:prstDash val="solid"/>
+                    </a:lnTlToBr>
+                    <a:lnBlToTr w="12700" cmpd="sng">
+                      <a:noFill/>
+                      <a:prstDash val="solid"/>
+                    </a:lnBlToTr>
+                    <a:solidFill>
+                      <a:srgbClr val="232323"/>
+                    </a:solidFill>
+                  </a:tcPr>
+                </a:tc>
+                <a:tc>
+                  <a:txBody>
+                    <a:bodyPr/>
+                    <a:lstStyle/>
+                    <a:p>
+                      <a:pPr algn="l" latinLnBrk="1"/>
+                      <a:r>
+                        <a:rPr lang="ko-KR" altLang="en-US" sz="1200" dirty="0" smtClean="0">
+                          <a:solidFill>
+                            <a:schemeClr val="bg1"/>
+                          </a:solidFill>
+                        </a:rPr>
+                        <a:t>이 함수에서 머무른 총 시간</a:t>
+                      </a:r>
+                      <a:endParaRPr lang="ko-KR" altLang="en-US" sz="1200" dirty="0">
+                        <a:solidFill>
+                          <a:schemeClr val="bg1"/>
+                        </a:solidFill>
+                      </a:endParaRPr>
+                    </a:p>
+                  </a:txBody>
+                  <a:tcPr marL="72000" marR="72000" marT="36000" marB="36000" anchor="ctr">
+                    <a:lnL w="12700" cap="flat" cmpd="sng" algn="ctr">
+                      <a:solidFill>
+                        <a:schemeClr val="bg1"/>
+                      </a:solidFill>
+                      <a:prstDash val="solid"/>
+                      <a:round/>
+                      <a:headEnd type="none" w="med" len="med"/>
+                      <a:tailEnd type="none" w="med" len="med"/>
+                    </a:lnL>
+                    <a:lnR w="12700" cap="flat" cmpd="sng" algn="ctr">
+                      <a:solidFill>
+                        <a:schemeClr val="bg1"/>
+                      </a:solidFill>
+                      <a:prstDash val="solid"/>
+                      <a:round/>
+                      <a:headEnd type="none" w="med" len="med"/>
+                      <a:tailEnd type="none" w="med" len="med"/>
+                    </a:lnR>
+                    <a:lnT w="12700" cap="flat" cmpd="sng" algn="ctr">
+                      <a:solidFill>
+                        <a:schemeClr val="bg1"/>
+                      </a:solidFill>
+                      <a:prstDash val="solid"/>
+                      <a:round/>
+                      <a:headEnd type="none" w="med" len="med"/>
+                      <a:tailEnd type="none" w="med" len="med"/>
+                    </a:lnT>
+                    <a:lnB w="12700" cap="flat" cmpd="sng" algn="ctr">
+                      <a:solidFill>
+                        <a:schemeClr val="bg1"/>
+                      </a:solidFill>
+                      <a:prstDash val="solid"/>
+                      <a:round/>
+                      <a:headEnd type="none" w="med" len="med"/>
+                      <a:tailEnd type="none" w="med" len="med"/>
+                    </a:lnB>
+                    <a:lnTlToBr w="12700" cmpd="sng">
+                      <a:noFill/>
+                      <a:prstDash val="solid"/>
+                    </a:lnTlToBr>
+                    <a:lnBlToTr w="12700" cmpd="sng">
+                      <a:noFill/>
+                      <a:prstDash val="solid"/>
+                    </a:lnBlToTr>
+                    <a:solidFill>
+                      <a:srgbClr val="232323"/>
+                    </a:solidFill>
+                  </a:tcPr>
+                </a:tc>
+              </a:tr>
+              <a:tr h="188507">
+                <a:tc>
+                  <a:txBody>
+                    <a:bodyPr/>
+                    <a:lstStyle/>
+                    <a:p>
+                      <a:pPr algn="l" latinLnBrk="1"/>
+                      <a:r>
+                        <a:rPr lang="en-US" altLang="ko-KR" sz="1200" dirty="0" err="1" smtClean="0">
+                          <a:solidFill>
+                            <a:schemeClr val="bg1"/>
+                          </a:solidFill>
+                        </a:rPr>
+                        <a:t>percall</a:t>
+                      </a:r>
+                      <a:endParaRPr lang="ko-KR" altLang="en-US" sz="1200" dirty="0">
+                        <a:solidFill>
+                          <a:schemeClr val="bg1"/>
+                        </a:solidFill>
+                      </a:endParaRPr>
+                    </a:p>
+                  </a:txBody>
+                  <a:tcPr marL="72000" marR="72000" marT="36000" marB="36000" anchor="ctr">
+                    <a:lnL w="12700" cap="flat" cmpd="sng" algn="ctr">
+                      <a:solidFill>
+                        <a:schemeClr val="bg1"/>
+                      </a:solidFill>
+                      <a:prstDash val="solid"/>
+                      <a:round/>
+                      <a:headEnd type="none" w="med" len="med"/>
+                      <a:tailEnd type="none" w="med" len="med"/>
+                    </a:lnL>
+                    <a:lnR w="12700" cap="flat" cmpd="sng" algn="ctr">
+                      <a:solidFill>
+                        <a:schemeClr val="bg1"/>
+                      </a:solidFill>
+                      <a:prstDash val="solid"/>
+                      <a:round/>
+                      <a:headEnd type="none" w="med" len="med"/>
+                      <a:tailEnd type="none" w="med" len="med"/>
+                    </a:lnR>
+                    <a:lnT w="12700" cap="flat" cmpd="sng" algn="ctr">
+                      <a:solidFill>
+                        <a:schemeClr val="bg1"/>
+                      </a:solidFill>
+                      <a:prstDash val="solid"/>
+                      <a:round/>
+                      <a:headEnd type="none" w="med" len="med"/>
+                      <a:tailEnd type="none" w="med" len="med"/>
+                    </a:lnT>
+                    <a:lnB w="12700" cap="flat" cmpd="sng" algn="ctr">
+                      <a:solidFill>
+                        <a:schemeClr val="bg1"/>
+                      </a:solidFill>
+                      <a:prstDash val="solid"/>
+                      <a:round/>
+                      <a:headEnd type="none" w="med" len="med"/>
+                      <a:tailEnd type="none" w="med" len="med"/>
+                    </a:lnB>
+                    <a:lnTlToBr w="12700" cmpd="sng">
+                      <a:noFill/>
+                      <a:prstDash val="solid"/>
+                    </a:lnTlToBr>
+                    <a:lnBlToTr w="12700" cmpd="sng">
+                      <a:noFill/>
+                      <a:prstDash val="solid"/>
+                    </a:lnBlToTr>
+                    <a:solidFill>
+                      <a:srgbClr val="232323"/>
+                    </a:solidFill>
+                  </a:tcPr>
+                </a:tc>
+                <a:tc>
+                  <a:txBody>
+                    <a:bodyPr/>
+                    <a:lstStyle/>
+                    <a:p>
+                      <a:pPr algn="l" latinLnBrk="1"/>
+                      <a:r>
+                        <a:rPr lang="en-US" altLang="ko-KR" sz="1200" dirty="0" err="1" smtClean="0">
+                          <a:solidFill>
+                            <a:schemeClr val="bg1"/>
+                          </a:solidFill>
+                        </a:rPr>
+                        <a:t>cumtime</a:t>
+                      </a:r>
+                      <a:r>
+                        <a:rPr lang="en-US" altLang="ko-KR" sz="1200" dirty="0" smtClean="0">
+                          <a:solidFill>
+                            <a:schemeClr val="bg1"/>
+                          </a:solidFill>
+                        </a:rPr>
+                        <a:t>/(primitive calls)</a:t>
+                      </a:r>
+                      <a:endParaRPr lang="ko-KR" altLang="en-US" sz="1200" dirty="0">
+                        <a:solidFill>
+                          <a:schemeClr val="bg1"/>
+                        </a:solidFill>
+                      </a:endParaRPr>
+                    </a:p>
+                  </a:txBody>
+                  <a:tcPr marL="72000" marR="72000" marT="36000" marB="36000" anchor="ctr">
+                    <a:lnL w="12700" cap="flat" cmpd="sng" algn="ctr">
+                      <a:solidFill>
+                        <a:schemeClr val="bg1"/>
+                      </a:solidFill>
+                      <a:prstDash val="solid"/>
+                      <a:round/>
+                      <a:headEnd type="none" w="med" len="med"/>
+                      <a:tailEnd type="none" w="med" len="med"/>
+                    </a:lnL>
+                    <a:lnR w="12700" cap="flat" cmpd="sng" algn="ctr">
+                      <a:solidFill>
+                        <a:schemeClr val="bg1"/>
+                      </a:solidFill>
+                      <a:prstDash val="solid"/>
+                      <a:round/>
+                      <a:headEnd type="none" w="med" len="med"/>
+                      <a:tailEnd type="none" w="med" len="med"/>
+                    </a:lnR>
+                    <a:lnT w="12700" cap="flat" cmpd="sng" algn="ctr">
+                      <a:solidFill>
+                        <a:schemeClr val="bg1"/>
+                      </a:solidFill>
+                      <a:prstDash val="solid"/>
+                      <a:round/>
+                      <a:headEnd type="none" w="med" len="med"/>
+                      <a:tailEnd type="none" w="med" len="med"/>
+                    </a:lnT>
+                    <a:lnB w="12700" cap="flat" cmpd="sng" algn="ctr">
+                      <a:solidFill>
+                        <a:schemeClr val="bg1"/>
+                      </a:solidFill>
+                      <a:prstDash val="solid"/>
+                      <a:round/>
+                      <a:headEnd type="none" w="med" len="med"/>
+                      <a:tailEnd type="none" w="med" len="med"/>
+                    </a:lnB>
+                    <a:lnTlToBr w="12700" cmpd="sng">
+                      <a:noFill/>
+                      <a:prstDash val="solid"/>
+                    </a:lnTlToBr>
+                    <a:lnBlToTr w="12700" cmpd="sng">
+                      <a:noFill/>
+                      <a:prstDash val="solid"/>
+                    </a:lnBlToTr>
+                    <a:solidFill>
+                      <a:srgbClr val="232323"/>
+                    </a:solidFill>
+                  </a:tcPr>
+                </a:tc>
+              </a:tr>
+              <a:tr h="188507">
+                <a:tc>
+                  <a:txBody>
+                    <a:bodyPr/>
+                    <a:lstStyle/>
+                    <a:p>
+                      <a:pPr algn="l" latinLnBrk="1"/>
+                      <a:r>
+                        <a:rPr lang="en-US" altLang="ko-KR" sz="1200" dirty="0" err="1" smtClean="0">
+                          <a:solidFill>
+                            <a:schemeClr val="bg1"/>
+                          </a:solidFill>
+                        </a:rPr>
+                        <a:t>filename:lineno</a:t>
+                      </a:r>
+                      <a:r>
+                        <a:rPr lang="en-US" altLang="ko-KR" sz="1200" dirty="0" smtClean="0">
+                          <a:solidFill>
+                            <a:schemeClr val="bg1"/>
+                          </a:solidFill>
+                        </a:rPr>
+                        <a:t>(function)</a:t>
+                      </a:r>
+                      <a:endParaRPr lang="ko-KR" altLang="en-US" sz="1200" dirty="0">
+                        <a:solidFill>
+                          <a:schemeClr val="bg1"/>
+                        </a:solidFill>
+                      </a:endParaRPr>
+                    </a:p>
+                  </a:txBody>
+                  <a:tcPr marL="72000" marR="72000" marT="36000" marB="36000" anchor="ctr">
+                    <a:lnL w="12700" cap="flat" cmpd="sng" algn="ctr">
+                      <a:solidFill>
+                        <a:schemeClr val="bg1"/>
+                      </a:solidFill>
+                      <a:prstDash val="solid"/>
+                      <a:round/>
+                      <a:headEnd type="none" w="med" len="med"/>
+                      <a:tailEnd type="none" w="med" len="med"/>
+                    </a:lnL>
+                    <a:lnR w="12700" cap="flat" cmpd="sng" algn="ctr">
+                      <a:solidFill>
+                        <a:schemeClr val="bg1"/>
+                      </a:solidFill>
+                      <a:prstDash val="solid"/>
+                      <a:round/>
+                      <a:headEnd type="none" w="med" len="med"/>
+                      <a:tailEnd type="none" w="med" len="med"/>
+                    </a:lnR>
+                    <a:lnT w="12700" cap="flat" cmpd="sng" algn="ctr">
+                      <a:solidFill>
+                        <a:schemeClr val="bg1"/>
+                      </a:solidFill>
+                      <a:prstDash val="solid"/>
+                      <a:round/>
+                      <a:headEnd type="none" w="med" len="med"/>
+                      <a:tailEnd type="none" w="med" len="med"/>
+                    </a:lnT>
+                    <a:lnB w="12700" cap="flat" cmpd="sng" algn="ctr">
+                      <a:solidFill>
+                        <a:schemeClr val="bg1"/>
+                      </a:solidFill>
+                      <a:prstDash val="solid"/>
+                      <a:round/>
+                      <a:headEnd type="none" w="med" len="med"/>
+                      <a:tailEnd type="none" w="med" len="med"/>
+                    </a:lnB>
+                    <a:lnTlToBr w="12700" cmpd="sng">
+                      <a:noFill/>
+                      <a:prstDash val="solid"/>
+                    </a:lnTlToBr>
+                    <a:lnBlToTr w="12700" cmpd="sng">
+                      <a:noFill/>
+                      <a:prstDash val="solid"/>
+                    </a:lnBlToTr>
+                    <a:solidFill>
+                      <a:srgbClr val="232323"/>
+                    </a:solidFill>
+                  </a:tcPr>
+                </a:tc>
+                <a:tc>
+                  <a:txBody>
+                    <a:bodyPr/>
+                    <a:lstStyle/>
+                    <a:p>
+                      <a:pPr algn="l" latinLnBrk="1"/>
+                      <a:r>
+                        <a:rPr lang="ko-KR" altLang="en-US" sz="1200" dirty="0" smtClean="0">
+                          <a:solidFill>
+                            <a:schemeClr val="bg1"/>
+                          </a:solidFill>
+                        </a:rPr>
+                        <a:t>각 함수의 위치와 이름</a:t>
+                      </a:r>
+                      <a:endParaRPr lang="ko-KR" altLang="en-US" sz="1200" dirty="0">
+                        <a:solidFill>
+                          <a:schemeClr val="bg1"/>
+                        </a:solidFill>
+                      </a:endParaRPr>
+                    </a:p>
+                  </a:txBody>
+                  <a:tcPr marL="72000" marR="72000" marT="36000" marB="36000" anchor="ctr">
+                    <a:lnL w="12700" cap="flat" cmpd="sng" algn="ctr">
+                      <a:solidFill>
+                        <a:schemeClr val="bg1"/>
+                      </a:solidFill>
+                      <a:prstDash val="solid"/>
+                      <a:round/>
+                      <a:headEnd type="none" w="med" len="med"/>
+                      <a:tailEnd type="none" w="med" len="med"/>
+                    </a:lnL>
+                    <a:lnR w="12700" cap="flat" cmpd="sng" algn="ctr">
+                      <a:solidFill>
+                        <a:schemeClr val="bg1"/>
+                      </a:solidFill>
+                      <a:prstDash val="solid"/>
+                      <a:round/>
+                      <a:headEnd type="none" w="med" len="med"/>
+                      <a:tailEnd type="none" w="med" len="med"/>
+                    </a:lnR>
+                    <a:lnT w="12700" cap="flat" cmpd="sng" algn="ctr">
+                      <a:solidFill>
+                        <a:schemeClr val="bg1"/>
+                      </a:solidFill>
+                      <a:prstDash val="solid"/>
+                      <a:round/>
+                      <a:headEnd type="none" w="med" len="med"/>
+                      <a:tailEnd type="none" w="med" len="med"/>
+                    </a:lnT>
+                    <a:lnB w="12700" cap="flat" cmpd="sng" algn="ctr">
+                      <a:solidFill>
+                        <a:schemeClr val="bg1"/>
+                      </a:solidFill>
+                      <a:prstDash val="solid"/>
+                      <a:round/>
+                      <a:headEnd type="none" w="med" len="med"/>
+                      <a:tailEnd type="none" w="med" len="med"/>
+                    </a:lnB>
+                    <a:lnTlToBr w="12700" cmpd="sng">
+                      <a:noFill/>
+                      <a:prstDash val="solid"/>
+                    </a:lnTlToBr>
+                    <a:lnBlToTr w="12700" cmpd="sng">
+                      <a:noFill/>
+                      <a:prstDash val="solid"/>
+                    </a:lnBlToTr>
+                    <a:solidFill>
+                      <a:srgbClr val="232323"/>
+                    </a:solidFill>
+                  </a:tcPr>
+                </a:tc>
+              </a:tr>
+            </a:tbl>
+          </a:graphicData>
+        </a:graphic>
+      </p:graphicFrame>
+      <p:sp>
+        <p:nvSpPr>
+          <p:cNvPr id="13" name="TextBox 12"/>
+          <p:cNvSpPr txBox="1"/>
+          <p:nvPr/>
+        </p:nvSpPr>
+        <p:spPr>
+          <a:xfrm>
+            <a:off x="8190786" y="5981257"/>
+            <a:ext cx="2448159" cy="338554"/>
+          </a:xfrm>
+          <a:prstGeom prst="rect">
+            <a:avLst/>
+          </a:prstGeom>
+          <a:noFill/>
+        </p:spPr>
+        <p:txBody>
+          <a:bodyPr wrap="square" rtlCol="0">
+            <a:spAutoFit/>
+          </a:bodyPr>
+          <a:lstStyle/>
+          <a:p>
+            <a:pPr algn="ctr"/>
+            <a:r>
+              <a:rPr lang="ko-KR" altLang="en-US" sz="1600" b="1" dirty="0" smtClean="0"/>
+              <a:t>보고서의 의미</a:t>
+            </a:r>
+            <a:endParaRPr lang="ko-KR" altLang="en-US" sz="1600" b="1" dirty="0"/>
           </a:p>
         </p:txBody>
       </p:sp>
@@ -15081,42 +16669,10 @@
           <a:lstStyle/>
           <a:p>
             <a:r>
-              <a:rPr lang="en-US" altLang="ko-KR" dirty="0" smtClean="0"/>
-              <a:t>Conclusions</a:t>
+              <a:rPr lang="ko-KR" altLang="en-US" dirty="0" smtClean="0"/>
+              <a:t>튜닝과 최적화</a:t>
             </a:r>
             <a:endParaRPr lang="ko-KR" altLang="en-US" dirty="0"/>
-          </a:p>
-        </p:txBody>
-      </p:sp>
-      <p:sp>
-        <p:nvSpPr>
-          <p:cNvPr id="3" name="내용 개체 틀 2"/>
-          <p:cNvSpPr>
-            <a:spLocks noGrp="1"/>
-          </p:cNvSpPr>
-          <p:nvPr>
-            <p:ph idx="1"/>
-          </p:nvPr>
-        </p:nvSpPr>
-        <p:spPr/>
-        <p:txBody>
-          <a:bodyPr>
-            <a:normAutofit/>
-          </a:bodyPr>
-          <a:lstStyle/>
-          <a:p>
-            <a:r>
-              <a:rPr lang="en-US" altLang="ko-KR" sz="2500" dirty="0" err="1" smtClean="0"/>
-              <a:t>Conclustion</a:t>
-            </a:r>
-            <a:r>
-              <a:rPr lang="en-US" altLang="ko-KR" sz="2500" dirty="0" smtClean="0"/>
-              <a:t>…</a:t>
-            </a:r>
-            <a:endParaRPr lang="ko-KR" altLang="en-US" sz="2500" dirty="0" smtClean="0"/>
-          </a:p>
-          <a:p>
-            <a:endParaRPr lang="ko-KR" altLang="en-US" sz="2500" dirty="0"/>
           </a:p>
         </p:txBody>
       </p:sp>
@@ -15140,6 +16696,382 @@
               <a:t>20</a:t>
             </a:fld>
             <a:endParaRPr lang="ko-KR" altLang="en-US"/>
+          </a:p>
+        </p:txBody>
+      </p:sp>
+      <p:sp>
+        <p:nvSpPr>
+          <p:cNvPr id="6" name="내용 개체 틀 2"/>
+          <p:cNvSpPr txBox="1">
+            <a:spLocks/>
+          </p:cNvSpPr>
+          <p:nvPr/>
+        </p:nvSpPr>
+        <p:spPr>
+          <a:xfrm>
+            <a:off x="838200" y="1317625"/>
+            <a:ext cx="10515600" cy="4351338"/>
+          </a:xfrm>
+          <a:prstGeom prst="rect">
+            <a:avLst/>
+          </a:prstGeom>
+        </p:spPr>
+        <p:txBody>
+          <a:bodyPr vert="horz" lIns="91440" tIns="45720" rIns="91440" bIns="45720" rtlCol="0">
+            <a:normAutofit/>
+          </a:bodyPr>
+          <a:lstStyle>
+            <a:lvl1pPr marL="228600" indent="-228600" algn="l" defTabSz="914400" rtl="0" eaLnBrk="1" latinLnBrk="1" hangingPunct="1">
+              <a:lnSpc>
+                <a:spcPct val="90000"/>
+              </a:lnSpc>
+              <a:spcBef>
+                <a:spcPts val="1000"/>
+              </a:spcBef>
+              <a:buFont typeface="Arial" panose="020B0604020202020204" pitchFamily="34" charset="0"/>
+              <a:buChar char="•"/>
+              <a:defRPr sz="2800" kern="1200">
+                <a:solidFill>
+                  <a:srgbClr val="232323"/>
+                </a:solidFill>
+                <a:latin typeface="+mn-lt"/>
+                <a:ea typeface="+mn-ea"/>
+                <a:cs typeface="+mn-cs"/>
+              </a:defRPr>
+            </a:lvl1pPr>
+            <a:lvl2pPr marL="685800" indent="-228600" algn="l" defTabSz="914400" rtl="0" eaLnBrk="1" latinLnBrk="1" hangingPunct="1">
+              <a:lnSpc>
+                <a:spcPct val="90000"/>
+              </a:lnSpc>
+              <a:spcBef>
+                <a:spcPts val="500"/>
+              </a:spcBef>
+              <a:buFont typeface="Arial" panose="020B0604020202020204" pitchFamily="34" charset="0"/>
+              <a:buChar char="•"/>
+              <a:defRPr sz="2400" kern="1200">
+                <a:solidFill>
+                  <a:srgbClr val="232323"/>
+                </a:solidFill>
+                <a:latin typeface="+mn-lt"/>
+                <a:ea typeface="+mn-ea"/>
+                <a:cs typeface="+mn-cs"/>
+              </a:defRPr>
+            </a:lvl2pPr>
+            <a:lvl3pPr marL="1143000" indent="-228600" algn="l" defTabSz="914400" rtl="0" eaLnBrk="1" latinLnBrk="1" hangingPunct="1">
+              <a:lnSpc>
+                <a:spcPct val="90000"/>
+              </a:lnSpc>
+              <a:spcBef>
+                <a:spcPts val="500"/>
+              </a:spcBef>
+              <a:buFont typeface="Arial" panose="020B0604020202020204" pitchFamily="34" charset="0"/>
+              <a:buChar char="•"/>
+              <a:defRPr sz="2000" kern="1200">
+                <a:solidFill>
+                  <a:srgbClr val="232323"/>
+                </a:solidFill>
+                <a:latin typeface="+mn-lt"/>
+                <a:ea typeface="+mn-ea"/>
+                <a:cs typeface="+mn-cs"/>
+              </a:defRPr>
+            </a:lvl3pPr>
+            <a:lvl4pPr marL="1600200" indent="-228600" algn="l" defTabSz="914400" rtl="0" eaLnBrk="1" latinLnBrk="1" hangingPunct="1">
+              <a:lnSpc>
+                <a:spcPct val="90000"/>
+              </a:lnSpc>
+              <a:spcBef>
+                <a:spcPts val="500"/>
+              </a:spcBef>
+              <a:buFont typeface="Arial" panose="020B0604020202020204" pitchFamily="34" charset="0"/>
+              <a:buChar char="•"/>
+              <a:defRPr sz="1800" kern="1200">
+                <a:solidFill>
+                  <a:srgbClr val="232323"/>
+                </a:solidFill>
+                <a:latin typeface="+mn-lt"/>
+                <a:ea typeface="+mn-ea"/>
+                <a:cs typeface="+mn-cs"/>
+              </a:defRPr>
+            </a:lvl4pPr>
+            <a:lvl5pPr marL="2057400" indent="-228600" algn="l" defTabSz="914400" rtl="0" eaLnBrk="1" latinLnBrk="1" hangingPunct="1">
+              <a:lnSpc>
+                <a:spcPct val="90000"/>
+              </a:lnSpc>
+              <a:spcBef>
+                <a:spcPts val="500"/>
+              </a:spcBef>
+              <a:buFont typeface="Arial" panose="020B0604020202020204" pitchFamily="34" charset="0"/>
+              <a:buChar char="•"/>
+              <a:defRPr sz="1800" kern="1200">
+                <a:solidFill>
+                  <a:srgbClr val="232323"/>
+                </a:solidFill>
+                <a:latin typeface="+mn-lt"/>
+                <a:ea typeface="+mn-ea"/>
+                <a:cs typeface="+mn-cs"/>
+              </a:defRPr>
+            </a:lvl5pPr>
+            <a:lvl6pPr marL="2514600" indent="-228600" algn="l" defTabSz="914400" rtl="0" eaLnBrk="1" latinLnBrk="1" hangingPunct="1">
+              <a:lnSpc>
+                <a:spcPct val="90000"/>
+              </a:lnSpc>
+              <a:spcBef>
+                <a:spcPts val="500"/>
+              </a:spcBef>
+              <a:buFont typeface="Arial" panose="020B0604020202020204" pitchFamily="34" charset="0"/>
+              <a:buChar char="•"/>
+              <a:defRPr sz="1800" kern="1200">
+                <a:solidFill>
+                  <a:schemeClr val="tx1"/>
+                </a:solidFill>
+                <a:latin typeface="+mn-lt"/>
+                <a:ea typeface="+mn-ea"/>
+                <a:cs typeface="+mn-cs"/>
+              </a:defRPr>
+            </a:lvl6pPr>
+            <a:lvl7pPr marL="2971800" indent="-228600" algn="l" defTabSz="914400" rtl="0" eaLnBrk="1" latinLnBrk="1" hangingPunct="1">
+              <a:lnSpc>
+                <a:spcPct val="90000"/>
+              </a:lnSpc>
+              <a:spcBef>
+                <a:spcPts val="500"/>
+              </a:spcBef>
+              <a:buFont typeface="Arial" panose="020B0604020202020204" pitchFamily="34" charset="0"/>
+              <a:buChar char="•"/>
+              <a:defRPr sz="1800" kern="1200">
+                <a:solidFill>
+                  <a:schemeClr val="tx1"/>
+                </a:solidFill>
+                <a:latin typeface="+mn-lt"/>
+                <a:ea typeface="+mn-ea"/>
+                <a:cs typeface="+mn-cs"/>
+              </a:defRPr>
+            </a:lvl7pPr>
+            <a:lvl8pPr marL="3429000" indent="-228600" algn="l" defTabSz="914400" rtl="0" eaLnBrk="1" latinLnBrk="1" hangingPunct="1">
+              <a:lnSpc>
+                <a:spcPct val="90000"/>
+              </a:lnSpc>
+              <a:spcBef>
+                <a:spcPts val="500"/>
+              </a:spcBef>
+              <a:buFont typeface="Arial" panose="020B0604020202020204" pitchFamily="34" charset="0"/>
+              <a:buChar char="•"/>
+              <a:defRPr sz="1800" kern="1200">
+                <a:solidFill>
+                  <a:schemeClr val="tx1"/>
+                </a:solidFill>
+                <a:latin typeface="+mn-lt"/>
+                <a:ea typeface="+mn-ea"/>
+                <a:cs typeface="+mn-cs"/>
+              </a:defRPr>
+            </a:lvl8pPr>
+            <a:lvl9pPr marL="3886200" indent="-228600" algn="l" defTabSz="914400" rtl="0" eaLnBrk="1" latinLnBrk="1" hangingPunct="1">
+              <a:lnSpc>
+                <a:spcPct val="90000"/>
+              </a:lnSpc>
+              <a:spcBef>
+                <a:spcPts val="500"/>
+              </a:spcBef>
+              <a:buFont typeface="Arial" panose="020B0604020202020204" pitchFamily="34" charset="0"/>
+              <a:buChar char="•"/>
+              <a:defRPr sz="1800" kern="1200">
+                <a:solidFill>
+                  <a:schemeClr val="tx1"/>
+                </a:solidFill>
+                <a:latin typeface="+mn-lt"/>
+                <a:ea typeface="+mn-ea"/>
+                <a:cs typeface="+mn-cs"/>
+              </a:defRPr>
+            </a:lvl9pPr>
+          </a:lstStyle>
+          <a:p>
+            <a:pPr marL="0" indent="0">
+              <a:buFont typeface="Arial" panose="020B0604020202020204" pitchFamily="34" charset="0"/>
+              <a:buNone/>
+            </a:pPr>
+            <a:r>
+              <a:rPr lang="ko-KR" altLang="en-US" sz="2400" b="1" dirty="0" smtClean="0"/>
+              <a:t>시간 측정</a:t>
+            </a:r>
+          </a:p>
+          <a:p>
+            <a:r>
+              <a:rPr lang="ko-KR" altLang="en-US" sz="2400" dirty="0" smtClean="0"/>
+              <a:t>오래 실행되는 문장 블록이 있을 경우 </a:t>
+            </a:r>
+            <a:r>
+              <a:rPr lang="en-US" altLang="ko-KR" sz="2400" dirty="0" err="1" smtClean="0"/>
+              <a:t>time.clock</a:t>
+            </a:r>
+            <a:r>
+              <a:rPr lang="en-US" altLang="ko-KR" sz="2400" dirty="0" smtClean="0"/>
+              <a:t>( ) </a:t>
+            </a:r>
+            <a:r>
+              <a:rPr lang="ko-KR" altLang="en-US" sz="2400" dirty="0" smtClean="0"/>
+              <a:t>호출로 현재 </a:t>
+            </a:r>
+            <a:r>
+              <a:rPr lang="en-US" altLang="ko-KR" sz="2400" dirty="0" smtClean="0"/>
+              <a:t>CPU </a:t>
+            </a:r>
+            <a:r>
+              <a:rPr lang="ko-KR" altLang="en-US" sz="2400" dirty="0" smtClean="0"/>
+              <a:t>경과 시간 값을 얻어오거나 </a:t>
+            </a:r>
+            <a:r>
+              <a:rPr lang="en-US" altLang="ko-KR" sz="2400" dirty="0" err="1" smtClean="0"/>
+              <a:t>time.time</a:t>
+            </a:r>
+            <a:r>
+              <a:rPr lang="en-US" altLang="ko-KR" sz="2400" dirty="0" smtClean="0"/>
+              <a:t>( )</a:t>
+            </a:r>
+            <a:r>
+              <a:rPr lang="ko-KR" altLang="en-US" sz="2400" dirty="0" smtClean="0"/>
+              <a:t>을 호출해서 실제 실행시간을 읽어올 수 있다</a:t>
+            </a:r>
+            <a:r>
+              <a:rPr lang="en-US" altLang="ko-KR" sz="2400" dirty="0" smtClean="0"/>
+              <a:t>.</a:t>
+            </a:r>
+            <a:endParaRPr lang="ko-KR" altLang="en-US" sz="2400" dirty="0"/>
+          </a:p>
+        </p:txBody>
+      </p:sp>
+      <p:pic>
+        <p:nvPicPr>
+          <p:cNvPr id="7" name="그림 6"/>
+          <p:cNvPicPr>
+            <a:picLocks noChangeAspect="1"/>
+          </p:cNvPicPr>
+          <p:nvPr/>
+        </p:nvPicPr>
+        <p:blipFill>
+          <a:blip r:embed="rId2"/>
+          <a:stretch>
+            <a:fillRect/>
+          </a:stretch>
+        </p:blipFill>
+        <p:spPr>
+          <a:xfrm>
+            <a:off x="1096871" y="3019651"/>
+            <a:ext cx="4581525" cy="1609725"/>
+          </a:xfrm>
+          <a:prstGeom prst="rect">
+            <a:avLst/>
+          </a:prstGeom>
+        </p:spPr>
+      </p:pic>
+      <p:sp>
+        <p:nvSpPr>
+          <p:cNvPr id="8" name="TextBox 7"/>
+          <p:cNvSpPr txBox="1"/>
+          <p:nvPr/>
+        </p:nvSpPr>
+        <p:spPr>
+          <a:xfrm>
+            <a:off x="7558579" y="3019651"/>
+            <a:ext cx="2247731" cy="338554"/>
+          </a:xfrm>
+          <a:prstGeom prst="rect">
+            <a:avLst/>
+          </a:prstGeom>
+          <a:noFill/>
+        </p:spPr>
+        <p:txBody>
+          <a:bodyPr wrap="none" rtlCol="0">
+            <a:spAutoFit/>
+          </a:bodyPr>
+          <a:lstStyle/>
+          <a:p>
+            <a:r>
+              <a:rPr lang="ko-KR" altLang="en-US" sz="1600" dirty="0" smtClean="0"/>
+              <a:t>더 짧게 실행되는 문장</a:t>
+            </a:r>
+            <a:endParaRPr lang="ko-KR" altLang="en-US" sz="1600" dirty="0"/>
+          </a:p>
+        </p:txBody>
+      </p:sp>
+      <p:pic>
+        <p:nvPicPr>
+          <p:cNvPr id="9" name="그림 8"/>
+          <p:cNvPicPr>
+            <a:picLocks noChangeAspect="1"/>
+          </p:cNvPicPr>
+          <p:nvPr/>
+        </p:nvPicPr>
+        <p:blipFill>
+          <a:blip r:embed="rId3"/>
+          <a:stretch>
+            <a:fillRect/>
+          </a:stretch>
+        </p:blipFill>
+        <p:spPr>
+          <a:xfrm>
+            <a:off x="6496458" y="3485205"/>
+            <a:ext cx="4371975" cy="1057275"/>
+          </a:xfrm>
+          <a:prstGeom prst="rect">
+            <a:avLst/>
+          </a:prstGeom>
+        </p:spPr>
+      </p:pic>
+      <p:sp>
+        <p:nvSpPr>
+          <p:cNvPr id="10" name="TextBox 9"/>
+          <p:cNvSpPr txBox="1"/>
+          <p:nvPr/>
+        </p:nvSpPr>
+        <p:spPr>
+          <a:xfrm>
+            <a:off x="6629638" y="4604084"/>
+            <a:ext cx="4105611" cy="1077218"/>
+          </a:xfrm>
+          <a:prstGeom prst="rect">
+            <a:avLst/>
+          </a:prstGeom>
+          <a:noFill/>
+        </p:spPr>
+        <p:txBody>
+          <a:bodyPr wrap="none" rtlCol="0">
+            <a:spAutoFit/>
+          </a:bodyPr>
+          <a:lstStyle/>
+          <a:p>
+            <a:r>
+              <a:rPr lang="en-US" altLang="ko-KR" sz="1600" dirty="0" err="1" smtClean="0"/>
+              <a:t>timeit</a:t>
+            </a:r>
+            <a:r>
+              <a:rPr lang="en-US" altLang="ko-KR" sz="1600" dirty="0" smtClean="0"/>
+              <a:t>(code [,setup])</a:t>
+            </a:r>
+          </a:p>
+          <a:p>
+            <a:r>
+              <a:rPr lang="ko-KR" altLang="en-US" sz="1600" dirty="0" smtClean="0"/>
+              <a:t>첫 번째 인수는 벤치마크 하고자 하는 코드</a:t>
+            </a:r>
+            <a:endParaRPr lang="en-US" altLang="ko-KR" sz="1600" dirty="0" smtClean="0"/>
+          </a:p>
+          <a:p>
+            <a:r>
+              <a:rPr lang="ko-KR" altLang="en-US" sz="1600" dirty="0" smtClean="0"/>
+              <a:t>두 번째 인수는 실행환경을 설정하기 위해</a:t>
+            </a:r>
+            <a:endParaRPr lang="en-US" altLang="ko-KR" sz="1600" dirty="0" smtClean="0"/>
+          </a:p>
+          <a:p>
+            <a:r>
+              <a:rPr lang="ko-KR" altLang="en-US" sz="1600" dirty="0" smtClean="0"/>
+              <a:t>한번만 실행될 문장을 나타낸다</a:t>
+            </a:r>
+            <a:r>
+              <a:rPr lang="en-US" altLang="ko-KR" sz="1600" dirty="0" smtClean="0"/>
+              <a:t>.</a:t>
+            </a:r>
+            <a:endParaRPr lang="ko-KR" altLang="en-US" sz="1600" dirty="0"/>
           </a:p>
         </p:txBody>
       </p:sp>
@@ -15166,14 +17098,6 @@
 <file path=ppt/slides/slide21.xml><?xml version="1.0" encoding="utf-8"?>
 <p:sld xmlns:a="http://schemas.openxmlformats.org/drawingml/2006/main" xmlns:r="http://schemas.openxmlformats.org/officeDocument/2006/relationships" xmlns:p="http://schemas.openxmlformats.org/presentationml/2006/main">
   <p:cSld>
-    <p:bg>
-      <p:bgPr>
-        <a:solidFill>
-          <a:srgbClr val="ECEBDC"/>
-        </a:solidFill>
-        <a:effectLst/>
-      </p:bgPr>
-    </p:bg>
     <p:spTree>
       <p:nvGrpSpPr>
         <p:cNvPr id="1" name=""/>
@@ -15200,39 +17124,16 @@
         </p:nvSpPr>
         <p:spPr/>
         <p:txBody>
-          <a:bodyPr/>
-          <a:lstStyle/>
-          <a:p>
-            <a:r>
-              <a:rPr lang="en-US" altLang="ko-KR" dirty="0" smtClean="0"/>
-              <a:t>References</a:t>
-            </a:r>
-            <a:endParaRPr lang="ko-KR" altLang="en-US" dirty="0"/>
-          </a:p>
-        </p:txBody>
-      </p:sp>
-      <p:sp>
-        <p:nvSpPr>
-          <p:cNvPr id="3" name="내용 개체 틀 2"/>
-          <p:cNvSpPr>
-            <a:spLocks noGrp="1"/>
-          </p:cNvSpPr>
-          <p:nvPr>
-            <p:ph idx="1"/>
-          </p:nvPr>
-        </p:nvSpPr>
-        <p:spPr/>
-        <p:txBody>
           <a:bodyPr>
             <a:normAutofit/>
           </a:bodyPr>
           <a:lstStyle/>
           <a:p>
             <a:r>
-              <a:rPr lang="en-US" altLang="ko-KR" sz="2500" dirty="0" smtClean="0"/>
-              <a:t>Ref.</a:t>
-            </a:r>
-            <a:endParaRPr lang="ko-KR" altLang="en-US" sz="2500" dirty="0"/>
+              <a:rPr lang="ko-KR" altLang="en-US" dirty="0" smtClean="0"/>
+              <a:t>튜닝과 최적화</a:t>
+            </a:r>
+            <a:endParaRPr lang="ko-KR" altLang="en-US" dirty="0"/>
           </a:p>
         </p:txBody>
       </p:sp>
@@ -15259,10 +17160,304 @@
           </a:p>
         </p:txBody>
       </p:sp>
+      <p:sp>
+        <p:nvSpPr>
+          <p:cNvPr id="6" name="내용 개체 틀 2"/>
+          <p:cNvSpPr txBox="1">
+            <a:spLocks/>
+          </p:cNvSpPr>
+          <p:nvPr/>
+        </p:nvSpPr>
+        <p:spPr>
+          <a:xfrm>
+            <a:off x="838200" y="1317625"/>
+            <a:ext cx="10515600" cy="4351338"/>
+          </a:xfrm>
+          <a:prstGeom prst="rect">
+            <a:avLst/>
+          </a:prstGeom>
+        </p:spPr>
+        <p:txBody>
+          <a:bodyPr vert="horz" lIns="91440" tIns="45720" rIns="91440" bIns="45720" rtlCol="0">
+            <a:normAutofit/>
+          </a:bodyPr>
+          <a:lstStyle>
+            <a:lvl1pPr marL="228600" indent="-228600" algn="l" defTabSz="914400" rtl="0" eaLnBrk="1" latinLnBrk="1" hangingPunct="1">
+              <a:lnSpc>
+                <a:spcPct val="90000"/>
+              </a:lnSpc>
+              <a:spcBef>
+                <a:spcPts val="1000"/>
+              </a:spcBef>
+              <a:buFont typeface="Arial" panose="020B0604020202020204" pitchFamily="34" charset="0"/>
+              <a:buChar char="•"/>
+              <a:defRPr sz="2800" kern="1200">
+                <a:solidFill>
+                  <a:srgbClr val="232323"/>
+                </a:solidFill>
+                <a:latin typeface="+mn-lt"/>
+                <a:ea typeface="+mn-ea"/>
+                <a:cs typeface="+mn-cs"/>
+              </a:defRPr>
+            </a:lvl1pPr>
+            <a:lvl2pPr marL="685800" indent="-228600" algn="l" defTabSz="914400" rtl="0" eaLnBrk="1" latinLnBrk="1" hangingPunct="1">
+              <a:lnSpc>
+                <a:spcPct val="90000"/>
+              </a:lnSpc>
+              <a:spcBef>
+                <a:spcPts val="500"/>
+              </a:spcBef>
+              <a:buFont typeface="Arial" panose="020B0604020202020204" pitchFamily="34" charset="0"/>
+              <a:buChar char="•"/>
+              <a:defRPr sz="2400" kern="1200">
+                <a:solidFill>
+                  <a:srgbClr val="232323"/>
+                </a:solidFill>
+                <a:latin typeface="+mn-lt"/>
+                <a:ea typeface="+mn-ea"/>
+                <a:cs typeface="+mn-cs"/>
+              </a:defRPr>
+            </a:lvl2pPr>
+            <a:lvl3pPr marL="1143000" indent="-228600" algn="l" defTabSz="914400" rtl="0" eaLnBrk="1" latinLnBrk="1" hangingPunct="1">
+              <a:lnSpc>
+                <a:spcPct val="90000"/>
+              </a:lnSpc>
+              <a:spcBef>
+                <a:spcPts val="500"/>
+              </a:spcBef>
+              <a:buFont typeface="Arial" panose="020B0604020202020204" pitchFamily="34" charset="0"/>
+              <a:buChar char="•"/>
+              <a:defRPr sz="2000" kern="1200">
+                <a:solidFill>
+                  <a:srgbClr val="232323"/>
+                </a:solidFill>
+                <a:latin typeface="+mn-lt"/>
+                <a:ea typeface="+mn-ea"/>
+                <a:cs typeface="+mn-cs"/>
+              </a:defRPr>
+            </a:lvl3pPr>
+            <a:lvl4pPr marL="1600200" indent="-228600" algn="l" defTabSz="914400" rtl="0" eaLnBrk="1" latinLnBrk="1" hangingPunct="1">
+              <a:lnSpc>
+                <a:spcPct val="90000"/>
+              </a:lnSpc>
+              <a:spcBef>
+                <a:spcPts val="500"/>
+              </a:spcBef>
+              <a:buFont typeface="Arial" panose="020B0604020202020204" pitchFamily="34" charset="0"/>
+              <a:buChar char="•"/>
+              <a:defRPr sz="1800" kern="1200">
+                <a:solidFill>
+                  <a:srgbClr val="232323"/>
+                </a:solidFill>
+                <a:latin typeface="+mn-lt"/>
+                <a:ea typeface="+mn-ea"/>
+                <a:cs typeface="+mn-cs"/>
+              </a:defRPr>
+            </a:lvl4pPr>
+            <a:lvl5pPr marL="2057400" indent="-228600" algn="l" defTabSz="914400" rtl="0" eaLnBrk="1" latinLnBrk="1" hangingPunct="1">
+              <a:lnSpc>
+                <a:spcPct val="90000"/>
+              </a:lnSpc>
+              <a:spcBef>
+                <a:spcPts val="500"/>
+              </a:spcBef>
+              <a:buFont typeface="Arial" panose="020B0604020202020204" pitchFamily="34" charset="0"/>
+              <a:buChar char="•"/>
+              <a:defRPr sz="1800" kern="1200">
+                <a:solidFill>
+                  <a:srgbClr val="232323"/>
+                </a:solidFill>
+                <a:latin typeface="+mn-lt"/>
+                <a:ea typeface="+mn-ea"/>
+                <a:cs typeface="+mn-cs"/>
+              </a:defRPr>
+            </a:lvl5pPr>
+            <a:lvl6pPr marL="2514600" indent="-228600" algn="l" defTabSz="914400" rtl="0" eaLnBrk="1" latinLnBrk="1" hangingPunct="1">
+              <a:lnSpc>
+                <a:spcPct val="90000"/>
+              </a:lnSpc>
+              <a:spcBef>
+                <a:spcPts val="500"/>
+              </a:spcBef>
+              <a:buFont typeface="Arial" panose="020B0604020202020204" pitchFamily="34" charset="0"/>
+              <a:buChar char="•"/>
+              <a:defRPr sz="1800" kern="1200">
+                <a:solidFill>
+                  <a:schemeClr val="tx1"/>
+                </a:solidFill>
+                <a:latin typeface="+mn-lt"/>
+                <a:ea typeface="+mn-ea"/>
+                <a:cs typeface="+mn-cs"/>
+              </a:defRPr>
+            </a:lvl6pPr>
+            <a:lvl7pPr marL="2971800" indent="-228600" algn="l" defTabSz="914400" rtl="0" eaLnBrk="1" latinLnBrk="1" hangingPunct="1">
+              <a:lnSpc>
+                <a:spcPct val="90000"/>
+              </a:lnSpc>
+              <a:spcBef>
+                <a:spcPts val="500"/>
+              </a:spcBef>
+              <a:buFont typeface="Arial" panose="020B0604020202020204" pitchFamily="34" charset="0"/>
+              <a:buChar char="•"/>
+              <a:defRPr sz="1800" kern="1200">
+                <a:solidFill>
+                  <a:schemeClr val="tx1"/>
+                </a:solidFill>
+                <a:latin typeface="+mn-lt"/>
+                <a:ea typeface="+mn-ea"/>
+                <a:cs typeface="+mn-cs"/>
+              </a:defRPr>
+            </a:lvl7pPr>
+            <a:lvl8pPr marL="3429000" indent="-228600" algn="l" defTabSz="914400" rtl="0" eaLnBrk="1" latinLnBrk="1" hangingPunct="1">
+              <a:lnSpc>
+                <a:spcPct val="90000"/>
+              </a:lnSpc>
+              <a:spcBef>
+                <a:spcPts val="500"/>
+              </a:spcBef>
+              <a:buFont typeface="Arial" panose="020B0604020202020204" pitchFamily="34" charset="0"/>
+              <a:buChar char="•"/>
+              <a:defRPr sz="1800" kern="1200">
+                <a:solidFill>
+                  <a:schemeClr val="tx1"/>
+                </a:solidFill>
+                <a:latin typeface="+mn-lt"/>
+                <a:ea typeface="+mn-ea"/>
+                <a:cs typeface="+mn-cs"/>
+              </a:defRPr>
+            </a:lvl8pPr>
+            <a:lvl9pPr marL="3886200" indent="-228600" algn="l" defTabSz="914400" rtl="0" eaLnBrk="1" latinLnBrk="1" hangingPunct="1">
+              <a:lnSpc>
+                <a:spcPct val="90000"/>
+              </a:lnSpc>
+              <a:spcBef>
+                <a:spcPts val="500"/>
+              </a:spcBef>
+              <a:buFont typeface="Arial" panose="020B0604020202020204" pitchFamily="34" charset="0"/>
+              <a:buChar char="•"/>
+              <a:defRPr sz="1800" kern="1200">
+                <a:solidFill>
+                  <a:schemeClr val="tx1"/>
+                </a:solidFill>
+                <a:latin typeface="+mn-lt"/>
+                <a:ea typeface="+mn-ea"/>
+                <a:cs typeface="+mn-cs"/>
+              </a:defRPr>
+            </a:lvl9pPr>
+          </a:lstStyle>
+          <a:p>
+            <a:pPr marL="0" indent="0">
+              <a:buFont typeface="Arial" panose="020B0604020202020204" pitchFamily="34" charset="0"/>
+              <a:buNone/>
+            </a:pPr>
+            <a:r>
+              <a:rPr lang="ko-KR" altLang="en-US" sz="2400" b="1" dirty="0" smtClean="0"/>
+              <a:t>메모리 측정</a:t>
+            </a:r>
+          </a:p>
+          <a:p>
+            <a:r>
+              <a:rPr lang="en-US" altLang="ko-KR" sz="2400" dirty="0" smtClean="0"/>
+              <a:t>sys </a:t>
+            </a:r>
+            <a:r>
+              <a:rPr lang="ko-KR" altLang="en-US" sz="2400" dirty="0" smtClean="0"/>
+              <a:t>모듈에는 개별 </a:t>
+            </a:r>
+            <a:r>
+              <a:rPr lang="ko-KR" altLang="en-US" sz="2400" dirty="0" err="1" smtClean="0"/>
+              <a:t>파이썬</a:t>
+            </a:r>
+            <a:r>
+              <a:rPr lang="ko-KR" altLang="en-US" sz="2400" dirty="0" smtClean="0"/>
+              <a:t> 객체의 메모리 사용량을 살펴보는 데 사용할 수 있는 </a:t>
+            </a:r>
+            <a:r>
+              <a:rPr lang="en-US" altLang="ko-KR" sz="2400" dirty="0" err="1" smtClean="0"/>
+              <a:t>getsizeof</a:t>
+            </a:r>
+            <a:r>
+              <a:rPr lang="en-US" altLang="ko-KR" sz="2400" dirty="0" smtClean="0"/>
+              <a:t>( ) </a:t>
+            </a:r>
+            <a:r>
+              <a:rPr lang="ko-KR" altLang="en-US" sz="2400" dirty="0" smtClean="0"/>
+              <a:t>함수가 있다</a:t>
+            </a:r>
+            <a:r>
+              <a:rPr lang="en-US" altLang="ko-KR" sz="2400" dirty="0" smtClean="0"/>
+              <a:t>.</a:t>
+            </a:r>
+          </a:p>
+          <a:p>
+            <a:endParaRPr lang="en-US" altLang="ko-KR" sz="2400" dirty="0"/>
+          </a:p>
+          <a:p>
+            <a:endParaRPr lang="en-US" altLang="ko-KR" sz="2400" dirty="0" smtClean="0"/>
+          </a:p>
+          <a:p>
+            <a:endParaRPr lang="en-US" altLang="ko-KR" sz="2400" dirty="0"/>
+          </a:p>
+          <a:p>
+            <a:endParaRPr lang="en-US" altLang="ko-KR" sz="2400" dirty="0" smtClean="0"/>
+          </a:p>
+          <a:p>
+            <a:r>
+              <a:rPr lang="ko-KR" altLang="en-US" sz="2400" dirty="0" smtClean="0"/>
+              <a:t>리스트</a:t>
+            </a:r>
+            <a:r>
+              <a:rPr lang="en-US" altLang="ko-KR" sz="2400" dirty="0" smtClean="0"/>
+              <a:t>, </a:t>
+            </a:r>
+            <a:r>
+              <a:rPr lang="ko-KR" altLang="en-US" sz="2400" dirty="0" err="1" smtClean="0"/>
+              <a:t>튜플</a:t>
+            </a:r>
+            <a:r>
+              <a:rPr lang="en-US" altLang="ko-KR" sz="2400" dirty="0" smtClean="0"/>
+              <a:t>, </a:t>
+            </a:r>
+            <a:r>
+              <a:rPr lang="ko-KR" altLang="en-US" sz="2400" dirty="0" smtClean="0"/>
+              <a:t>사전 같은 컨테이너에 대해서 보고되는 크기는 단지 컨테이너 객체 그 자체이지 컨테이너 안에 있는 모든 객체의 크기의 합을 의미하지 않는다</a:t>
+            </a:r>
+            <a:r>
+              <a:rPr lang="en-US" altLang="ko-KR" sz="2400" dirty="0" smtClean="0"/>
+              <a:t>.</a:t>
+            </a:r>
+            <a:endParaRPr lang="ko-KR" altLang="en-US" sz="2400" dirty="0"/>
+          </a:p>
+        </p:txBody>
+      </p:sp>
+      <p:pic>
+        <p:nvPicPr>
+          <p:cNvPr id="3" name="그림 2"/>
+          <p:cNvPicPr>
+            <a:picLocks noChangeAspect="1"/>
+          </p:cNvPicPr>
+          <p:nvPr/>
+        </p:nvPicPr>
+        <p:blipFill>
+          <a:blip r:embed="rId2"/>
+          <a:stretch>
+            <a:fillRect/>
+          </a:stretch>
+        </p:blipFill>
+        <p:spPr>
+          <a:xfrm>
+            <a:off x="1125991" y="2636044"/>
+            <a:ext cx="4105275" cy="1714500"/>
+          </a:xfrm>
+          <a:prstGeom prst="rect">
+            <a:avLst/>
+          </a:prstGeom>
+        </p:spPr>
+      </p:pic>
     </p:spTree>
     <p:extLst>
       <p:ext uri="{BB962C8B-B14F-4D97-AF65-F5344CB8AC3E}">
-        <p14:creationId xmlns:p14="http://schemas.microsoft.com/office/powerpoint/2010/main" val="2132864873"/>
+        <p14:creationId xmlns:p14="http://schemas.microsoft.com/office/powerpoint/2010/main" val="765902199"/>
       </p:ext>
     </p:extLst>
   </p:cSld>
@@ -15280,6 +17475,1576 @@
 </file>
 
 <file path=ppt/slides/slide22.xml><?xml version="1.0" encoding="utf-8"?>
+<p:sld xmlns:a="http://schemas.openxmlformats.org/drawingml/2006/main" xmlns:r="http://schemas.openxmlformats.org/officeDocument/2006/relationships" xmlns:p="http://schemas.openxmlformats.org/presentationml/2006/main">
+  <p:cSld>
+    <p:spTree>
+      <p:nvGrpSpPr>
+        <p:cNvPr id="1" name=""/>
+        <p:cNvGrpSpPr/>
+        <p:nvPr/>
+      </p:nvGrpSpPr>
+      <p:grpSpPr>
+        <a:xfrm>
+          <a:off x="0" y="0"/>
+          <a:ext cx="0" cy="0"/>
+          <a:chOff x="0" y="0"/>
+          <a:chExt cx="0" cy="0"/>
+        </a:xfrm>
+      </p:grpSpPr>
+      <p:sp>
+        <p:nvSpPr>
+          <p:cNvPr id="2" name="제목 1"/>
+          <p:cNvSpPr>
+            <a:spLocks noGrp="1"/>
+          </p:cNvSpPr>
+          <p:nvPr>
+            <p:ph type="title"/>
+          </p:nvPr>
+        </p:nvSpPr>
+        <p:spPr/>
+        <p:txBody>
+          <a:bodyPr>
+            <a:normAutofit/>
+          </a:bodyPr>
+          <a:lstStyle/>
+          <a:p>
+            <a:r>
+              <a:rPr lang="ko-KR" altLang="en-US" dirty="0" smtClean="0"/>
+              <a:t>튜닝과 최적화</a:t>
+            </a:r>
+            <a:endParaRPr lang="ko-KR" altLang="en-US" dirty="0"/>
+          </a:p>
+        </p:txBody>
+      </p:sp>
+      <p:sp>
+        <p:nvSpPr>
+          <p:cNvPr id="4" name="슬라이드 번호 개체 틀 3"/>
+          <p:cNvSpPr>
+            <a:spLocks noGrp="1"/>
+          </p:cNvSpPr>
+          <p:nvPr>
+            <p:ph type="sldNum" sz="quarter" idx="12"/>
+          </p:nvPr>
+        </p:nvSpPr>
+        <p:spPr/>
+        <p:txBody>
+          <a:bodyPr/>
+          <a:lstStyle/>
+          <a:p>
+            <a:fld id="{FE150C24-AA4D-4CD8-91C7-5A50E7823163}" type="slidenum">
+              <a:rPr lang="ko-KR" altLang="en-US" smtClean="0"/>
+              <a:t>22</a:t>
+            </a:fld>
+            <a:endParaRPr lang="ko-KR" altLang="en-US"/>
+          </a:p>
+        </p:txBody>
+      </p:sp>
+      <p:sp>
+        <p:nvSpPr>
+          <p:cNvPr id="6" name="내용 개체 틀 2"/>
+          <p:cNvSpPr txBox="1">
+            <a:spLocks/>
+          </p:cNvSpPr>
+          <p:nvPr/>
+        </p:nvSpPr>
+        <p:spPr>
+          <a:xfrm>
+            <a:off x="838200" y="1317624"/>
+            <a:ext cx="10515600" cy="5038725"/>
+          </a:xfrm>
+          <a:prstGeom prst="rect">
+            <a:avLst/>
+          </a:prstGeom>
+        </p:spPr>
+        <p:txBody>
+          <a:bodyPr vert="horz" lIns="91440" tIns="45720" rIns="91440" bIns="45720" rtlCol="0">
+            <a:normAutofit/>
+          </a:bodyPr>
+          <a:lstStyle>
+            <a:lvl1pPr marL="228600" indent="-228600" algn="l" defTabSz="914400" rtl="0" eaLnBrk="1" latinLnBrk="1" hangingPunct="1">
+              <a:lnSpc>
+                <a:spcPct val="90000"/>
+              </a:lnSpc>
+              <a:spcBef>
+                <a:spcPts val="1000"/>
+              </a:spcBef>
+              <a:buFont typeface="Arial" panose="020B0604020202020204" pitchFamily="34" charset="0"/>
+              <a:buChar char="•"/>
+              <a:defRPr sz="2800" kern="1200">
+                <a:solidFill>
+                  <a:srgbClr val="232323"/>
+                </a:solidFill>
+                <a:latin typeface="+mn-lt"/>
+                <a:ea typeface="+mn-ea"/>
+                <a:cs typeface="+mn-cs"/>
+              </a:defRPr>
+            </a:lvl1pPr>
+            <a:lvl2pPr marL="685800" indent="-228600" algn="l" defTabSz="914400" rtl="0" eaLnBrk="1" latinLnBrk="1" hangingPunct="1">
+              <a:lnSpc>
+                <a:spcPct val="90000"/>
+              </a:lnSpc>
+              <a:spcBef>
+                <a:spcPts val="500"/>
+              </a:spcBef>
+              <a:buFont typeface="Arial" panose="020B0604020202020204" pitchFamily="34" charset="0"/>
+              <a:buChar char="•"/>
+              <a:defRPr sz="2400" kern="1200">
+                <a:solidFill>
+                  <a:srgbClr val="232323"/>
+                </a:solidFill>
+                <a:latin typeface="+mn-lt"/>
+                <a:ea typeface="+mn-ea"/>
+                <a:cs typeface="+mn-cs"/>
+              </a:defRPr>
+            </a:lvl2pPr>
+            <a:lvl3pPr marL="1143000" indent="-228600" algn="l" defTabSz="914400" rtl="0" eaLnBrk="1" latinLnBrk="1" hangingPunct="1">
+              <a:lnSpc>
+                <a:spcPct val="90000"/>
+              </a:lnSpc>
+              <a:spcBef>
+                <a:spcPts val="500"/>
+              </a:spcBef>
+              <a:buFont typeface="Arial" panose="020B0604020202020204" pitchFamily="34" charset="0"/>
+              <a:buChar char="•"/>
+              <a:defRPr sz="2000" kern="1200">
+                <a:solidFill>
+                  <a:srgbClr val="232323"/>
+                </a:solidFill>
+                <a:latin typeface="+mn-lt"/>
+                <a:ea typeface="+mn-ea"/>
+                <a:cs typeface="+mn-cs"/>
+              </a:defRPr>
+            </a:lvl3pPr>
+            <a:lvl4pPr marL="1600200" indent="-228600" algn="l" defTabSz="914400" rtl="0" eaLnBrk="1" latinLnBrk="1" hangingPunct="1">
+              <a:lnSpc>
+                <a:spcPct val="90000"/>
+              </a:lnSpc>
+              <a:spcBef>
+                <a:spcPts val="500"/>
+              </a:spcBef>
+              <a:buFont typeface="Arial" panose="020B0604020202020204" pitchFamily="34" charset="0"/>
+              <a:buChar char="•"/>
+              <a:defRPr sz="1800" kern="1200">
+                <a:solidFill>
+                  <a:srgbClr val="232323"/>
+                </a:solidFill>
+                <a:latin typeface="+mn-lt"/>
+                <a:ea typeface="+mn-ea"/>
+                <a:cs typeface="+mn-cs"/>
+              </a:defRPr>
+            </a:lvl4pPr>
+            <a:lvl5pPr marL="2057400" indent="-228600" algn="l" defTabSz="914400" rtl="0" eaLnBrk="1" latinLnBrk="1" hangingPunct="1">
+              <a:lnSpc>
+                <a:spcPct val="90000"/>
+              </a:lnSpc>
+              <a:spcBef>
+                <a:spcPts val="500"/>
+              </a:spcBef>
+              <a:buFont typeface="Arial" panose="020B0604020202020204" pitchFamily="34" charset="0"/>
+              <a:buChar char="•"/>
+              <a:defRPr sz="1800" kern="1200">
+                <a:solidFill>
+                  <a:srgbClr val="232323"/>
+                </a:solidFill>
+                <a:latin typeface="+mn-lt"/>
+                <a:ea typeface="+mn-ea"/>
+                <a:cs typeface="+mn-cs"/>
+              </a:defRPr>
+            </a:lvl5pPr>
+            <a:lvl6pPr marL="2514600" indent="-228600" algn="l" defTabSz="914400" rtl="0" eaLnBrk="1" latinLnBrk="1" hangingPunct="1">
+              <a:lnSpc>
+                <a:spcPct val="90000"/>
+              </a:lnSpc>
+              <a:spcBef>
+                <a:spcPts val="500"/>
+              </a:spcBef>
+              <a:buFont typeface="Arial" panose="020B0604020202020204" pitchFamily="34" charset="0"/>
+              <a:buChar char="•"/>
+              <a:defRPr sz="1800" kern="1200">
+                <a:solidFill>
+                  <a:schemeClr val="tx1"/>
+                </a:solidFill>
+                <a:latin typeface="+mn-lt"/>
+                <a:ea typeface="+mn-ea"/>
+                <a:cs typeface="+mn-cs"/>
+              </a:defRPr>
+            </a:lvl6pPr>
+            <a:lvl7pPr marL="2971800" indent="-228600" algn="l" defTabSz="914400" rtl="0" eaLnBrk="1" latinLnBrk="1" hangingPunct="1">
+              <a:lnSpc>
+                <a:spcPct val="90000"/>
+              </a:lnSpc>
+              <a:spcBef>
+                <a:spcPts val="500"/>
+              </a:spcBef>
+              <a:buFont typeface="Arial" panose="020B0604020202020204" pitchFamily="34" charset="0"/>
+              <a:buChar char="•"/>
+              <a:defRPr sz="1800" kern="1200">
+                <a:solidFill>
+                  <a:schemeClr val="tx1"/>
+                </a:solidFill>
+                <a:latin typeface="+mn-lt"/>
+                <a:ea typeface="+mn-ea"/>
+                <a:cs typeface="+mn-cs"/>
+              </a:defRPr>
+            </a:lvl7pPr>
+            <a:lvl8pPr marL="3429000" indent="-228600" algn="l" defTabSz="914400" rtl="0" eaLnBrk="1" latinLnBrk="1" hangingPunct="1">
+              <a:lnSpc>
+                <a:spcPct val="90000"/>
+              </a:lnSpc>
+              <a:spcBef>
+                <a:spcPts val="500"/>
+              </a:spcBef>
+              <a:buFont typeface="Arial" panose="020B0604020202020204" pitchFamily="34" charset="0"/>
+              <a:buChar char="•"/>
+              <a:defRPr sz="1800" kern="1200">
+                <a:solidFill>
+                  <a:schemeClr val="tx1"/>
+                </a:solidFill>
+                <a:latin typeface="+mn-lt"/>
+                <a:ea typeface="+mn-ea"/>
+                <a:cs typeface="+mn-cs"/>
+              </a:defRPr>
+            </a:lvl8pPr>
+            <a:lvl9pPr marL="3886200" indent="-228600" algn="l" defTabSz="914400" rtl="0" eaLnBrk="1" latinLnBrk="1" hangingPunct="1">
+              <a:lnSpc>
+                <a:spcPct val="90000"/>
+              </a:lnSpc>
+              <a:spcBef>
+                <a:spcPts val="500"/>
+              </a:spcBef>
+              <a:buFont typeface="Arial" panose="020B0604020202020204" pitchFamily="34" charset="0"/>
+              <a:buChar char="•"/>
+              <a:defRPr sz="1800" kern="1200">
+                <a:solidFill>
+                  <a:schemeClr val="tx1"/>
+                </a:solidFill>
+                <a:latin typeface="+mn-lt"/>
+                <a:ea typeface="+mn-ea"/>
+                <a:cs typeface="+mn-cs"/>
+              </a:defRPr>
+            </a:lvl9pPr>
+          </a:lstStyle>
+          <a:p>
+            <a:pPr marL="0" indent="0">
+              <a:buFont typeface="Arial" panose="020B0604020202020204" pitchFamily="34" charset="0"/>
+              <a:buNone/>
+            </a:pPr>
+            <a:r>
+              <a:rPr lang="ko-KR" altLang="en-US" sz="2400" b="1" dirty="0" smtClean="0"/>
+              <a:t>분해</a:t>
+            </a:r>
+          </a:p>
+          <a:p>
+            <a:r>
+              <a:rPr lang="en-US" altLang="ko-KR" sz="2400" dirty="0" smtClean="0"/>
+              <a:t>dis </a:t>
+            </a:r>
+            <a:r>
+              <a:rPr lang="ko-KR" altLang="en-US" sz="2400" dirty="0" smtClean="0"/>
+              <a:t>모듈은 함수</a:t>
+            </a:r>
+            <a:r>
+              <a:rPr lang="en-US" altLang="ko-KR" sz="2400" dirty="0" smtClean="0"/>
+              <a:t>, </a:t>
+            </a:r>
+            <a:r>
+              <a:rPr lang="ko-KR" altLang="en-US" sz="2400" dirty="0" err="1" smtClean="0"/>
+              <a:t>메서드</a:t>
+            </a:r>
+            <a:r>
+              <a:rPr lang="en-US" altLang="ko-KR" sz="2400" dirty="0" smtClean="0"/>
+              <a:t>, </a:t>
+            </a:r>
+            <a:r>
+              <a:rPr lang="ko-KR" altLang="en-US" sz="2400" dirty="0" smtClean="0"/>
+              <a:t>클래스를 </a:t>
+            </a:r>
+            <a:r>
+              <a:rPr lang="ko-KR" altLang="en-US" sz="2400" dirty="0" err="1" smtClean="0"/>
+              <a:t>저수준</a:t>
+            </a:r>
+            <a:r>
+              <a:rPr lang="ko-KR" altLang="en-US" sz="2400" dirty="0" smtClean="0"/>
+              <a:t> 인터프리터 명령어로 분해하는데 사용된다</a:t>
+            </a:r>
+            <a:r>
+              <a:rPr lang="en-US" altLang="ko-KR" sz="2400" dirty="0" smtClean="0"/>
+              <a:t>. </a:t>
+            </a:r>
+            <a:r>
+              <a:rPr lang="ko-KR" altLang="en-US" sz="2400" dirty="0" smtClean="0"/>
+              <a:t>이 모듈에는 </a:t>
+            </a:r>
+            <a:r>
+              <a:rPr lang="en-US" altLang="ko-KR" sz="2400" dirty="0" smtClean="0"/>
+              <a:t>dis( ) </a:t>
+            </a:r>
+            <a:r>
+              <a:rPr lang="ko-KR" altLang="en-US" sz="2400" dirty="0" smtClean="0"/>
+              <a:t>함수가 있다</a:t>
+            </a:r>
+            <a:r>
+              <a:rPr lang="en-US" altLang="ko-KR" sz="2400" dirty="0" smtClean="0"/>
+              <a:t>.</a:t>
+            </a:r>
+            <a:endParaRPr lang="en-US" altLang="ko-KR" sz="2400" dirty="0"/>
+          </a:p>
+          <a:p>
+            <a:endParaRPr lang="en-US" altLang="ko-KR" sz="2400" dirty="0" smtClean="0"/>
+          </a:p>
+          <a:p>
+            <a:endParaRPr lang="en-US" altLang="ko-KR" sz="2400" dirty="0"/>
+          </a:p>
+          <a:p>
+            <a:endParaRPr lang="en-US" altLang="ko-KR" sz="2400" dirty="0" smtClean="0"/>
+          </a:p>
+          <a:p>
+            <a:endParaRPr lang="en-US" altLang="ko-KR" sz="2400" dirty="0"/>
+          </a:p>
+          <a:p>
+            <a:endParaRPr lang="en-US" altLang="ko-KR" sz="2400" dirty="0" smtClean="0"/>
+          </a:p>
+          <a:p>
+            <a:pPr marL="0" indent="0">
+              <a:buNone/>
+            </a:pPr>
+            <a:endParaRPr lang="en-US" altLang="ko-KR" sz="2400" dirty="0" smtClean="0"/>
+          </a:p>
+          <a:p>
+            <a:r>
+              <a:rPr lang="ko-KR" altLang="en-US" sz="2400" dirty="0" smtClean="0"/>
+              <a:t>이 정보는 함수를 실행할 때 어떠한 연산이 관련되어 있는지 알려주며</a:t>
+            </a:r>
+            <a:r>
+              <a:rPr lang="en-US" altLang="ko-KR" sz="2400" dirty="0" smtClean="0"/>
+              <a:t>, </a:t>
+            </a:r>
+            <a:r>
+              <a:rPr lang="ko-KR" altLang="en-US" sz="2400" dirty="0" err="1" smtClean="0"/>
+              <a:t>스레드</a:t>
+            </a:r>
+            <a:r>
+              <a:rPr lang="ko-KR" altLang="en-US" sz="2400" dirty="0" smtClean="0"/>
+              <a:t> 프로그래밍을 할 때는 각 줄이 단일 인터프리터 연산을 나타낸다</a:t>
+            </a:r>
+            <a:r>
+              <a:rPr lang="en-US" altLang="ko-KR" sz="2400" dirty="0" smtClean="0"/>
+              <a:t>.</a:t>
+            </a:r>
+          </a:p>
+        </p:txBody>
+      </p:sp>
+      <p:pic>
+        <p:nvPicPr>
+          <p:cNvPr id="5" name="그림 4"/>
+          <p:cNvPicPr>
+            <a:picLocks noChangeAspect="1"/>
+          </p:cNvPicPr>
+          <p:nvPr/>
+        </p:nvPicPr>
+        <p:blipFill>
+          <a:blip r:embed="rId2"/>
+          <a:stretch>
+            <a:fillRect/>
+          </a:stretch>
+        </p:blipFill>
+        <p:spPr>
+          <a:xfrm>
+            <a:off x="1195251" y="2606484"/>
+            <a:ext cx="3610805" cy="2609790"/>
+          </a:xfrm>
+          <a:prstGeom prst="rect">
+            <a:avLst/>
+          </a:prstGeom>
+        </p:spPr>
+      </p:pic>
+      <p:pic>
+        <p:nvPicPr>
+          <p:cNvPr id="7" name="그림 6"/>
+          <p:cNvPicPr>
+            <a:picLocks noChangeAspect="1"/>
+          </p:cNvPicPr>
+          <p:nvPr/>
+        </p:nvPicPr>
+        <p:blipFill>
+          <a:blip r:embed="rId3"/>
+          <a:stretch>
+            <a:fillRect/>
+          </a:stretch>
+        </p:blipFill>
+        <p:spPr>
+          <a:xfrm>
+            <a:off x="5292542" y="2611148"/>
+            <a:ext cx="3452272" cy="2605286"/>
+          </a:xfrm>
+          <a:prstGeom prst="rect">
+            <a:avLst/>
+          </a:prstGeom>
+        </p:spPr>
+      </p:pic>
+    </p:spTree>
+    <p:extLst>
+      <p:ext uri="{BB962C8B-B14F-4D97-AF65-F5344CB8AC3E}">
+        <p14:creationId xmlns:p14="http://schemas.microsoft.com/office/powerpoint/2010/main" val="129474786"/>
+      </p:ext>
+    </p:extLst>
+  </p:cSld>
+  <p:clrMapOvr>
+    <a:masterClrMapping/>
+  </p:clrMapOvr>
+  <p:timing>
+    <p:tnLst>
+      <p:par>
+        <p:cTn id="1" dur="indefinite" restart="never" nodeType="tmRoot"/>
+      </p:par>
+    </p:tnLst>
+  </p:timing>
+</p:sld>
+</file>
+
+<file path=ppt/slides/slide23.xml><?xml version="1.0" encoding="utf-8"?>
+<p:sld xmlns:a="http://schemas.openxmlformats.org/drawingml/2006/main" xmlns:r="http://schemas.openxmlformats.org/officeDocument/2006/relationships" xmlns:p="http://schemas.openxmlformats.org/presentationml/2006/main">
+  <p:cSld>
+    <p:spTree>
+      <p:nvGrpSpPr>
+        <p:cNvPr id="1" name=""/>
+        <p:cNvGrpSpPr/>
+        <p:nvPr/>
+      </p:nvGrpSpPr>
+      <p:grpSpPr>
+        <a:xfrm>
+          <a:off x="0" y="0"/>
+          <a:ext cx="0" cy="0"/>
+          <a:chOff x="0" y="0"/>
+          <a:chExt cx="0" cy="0"/>
+        </a:xfrm>
+      </p:grpSpPr>
+      <p:sp>
+        <p:nvSpPr>
+          <p:cNvPr id="2" name="제목 1"/>
+          <p:cNvSpPr>
+            <a:spLocks noGrp="1"/>
+          </p:cNvSpPr>
+          <p:nvPr>
+            <p:ph type="title"/>
+          </p:nvPr>
+        </p:nvSpPr>
+        <p:spPr/>
+        <p:txBody>
+          <a:bodyPr>
+            <a:normAutofit/>
+          </a:bodyPr>
+          <a:lstStyle/>
+          <a:p>
+            <a:r>
+              <a:rPr lang="ko-KR" altLang="en-US" dirty="0" smtClean="0"/>
+              <a:t>튜닝과 최적화</a:t>
+            </a:r>
+            <a:endParaRPr lang="ko-KR" altLang="en-US" dirty="0"/>
+          </a:p>
+        </p:txBody>
+      </p:sp>
+      <p:sp>
+        <p:nvSpPr>
+          <p:cNvPr id="4" name="슬라이드 번호 개체 틀 3"/>
+          <p:cNvSpPr>
+            <a:spLocks noGrp="1"/>
+          </p:cNvSpPr>
+          <p:nvPr>
+            <p:ph type="sldNum" sz="quarter" idx="12"/>
+          </p:nvPr>
+        </p:nvSpPr>
+        <p:spPr/>
+        <p:txBody>
+          <a:bodyPr/>
+          <a:lstStyle/>
+          <a:p>
+            <a:fld id="{FE150C24-AA4D-4CD8-91C7-5A50E7823163}" type="slidenum">
+              <a:rPr lang="ko-KR" altLang="en-US" smtClean="0"/>
+              <a:t>23</a:t>
+            </a:fld>
+            <a:endParaRPr lang="ko-KR" altLang="en-US"/>
+          </a:p>
+        </p:txBody>
+      </p:sp>
+      <p:sp>
+        <p:nvSpPr>
+          <p:cNvPr id="6" name="내용 개체 틀 2"/>
+          <p:cNvSpPr txBox="1">
+            <a:spLocks/>
+          </p:cNvSpPr>
+          <p:nvPr/>
+        </p:nvSpPr>
+        <p:spPr>
+          <a:xfrm>
+            <a:off x="838200" y="1317624"/>
+            <a:ext cx="10515600" cy="5038725"/>
+          </a:xfrm>
+          <a:prstGeom prst="rect">
+            <a:avLst/>
+          </a:prstGeom>
+        </p:spPr>
+        <p:txBody>
+          <a:bodyPr vert="horz" lIns="91440" tIns="45720" rIns="91440" bIns="45720" rtlCol="0">
+            <a:normAutofit/>
+          </a:bodyPr>
+          <a:lstStyle>
+            <a:lvl1pPr marL="228600" indent="-228600" algn="l" defTabSz="914400" rtl="0" eaLnBrk="1" latinLnBrk="1" hangingPunct="1">
+              <a:lnSpc>
+                <a:spcPct val="90000"/>
+              </a:lnSpc>
+              <a:spcBef>
+                <a:spcPts val="1000"/>
+              </a:spcBef>
+              <a:buFont typeface="Arial" panose="020B0604020202020204" pitchFamily="34" charset="0"/>
+              <a:buChar char="•"/>
+              <a:defRPr sz="2800" kern="1200">
+                <a:solidFill>
+                  <a:srgbClr val="232323"/>
+                </a:solidFill>
+                <a:latin typeface="+mn-lt"/>
+                <a:ea typeface="+mn-ea"/>
+                <a:cs typeface="+mn-cs"/>
+              </a:defRPr>
+            </a:lvl1pPr>
+            <a:lvl2pPr marL="685800" indent="-228600" algn="l" defTabSz="914400" rtl="0" eaLnBrk="1" latinLnBrk="1" hangingPunct="1">
+              <a:lnSpc>
+                <a:spcPct val="90000"/>
+              </a:lnSpc>
+              <a:spcBef>
+                <a:spcPts val="500"/>
+              </a:spcBef>
+              <a:buFont typeface="Arial" panose="020B0604020202020204" pitchFamily="34" charset="0"/>
+              <a:buChar char="•"/>
+              <a:defRPr sz="2400" kern="1200">
+                <a:solidFill>
+                  <a:srgbClr val="232323"/>
+                </a:solidFill>
+                <a:latin typeface="+mn-lt"/>
+                <a:ea typeface="+mn-ea"/>
+                <a:cs typeface="+mn-cs"/>
+              </a:defRPr>
+            </a:lvl2pPr>
+            <a:lvl3pPr marL="1143000" indent="-228600" algn="l" defTabSz="914400" rtl="0" eaLnBrk="1" latinLnBrk="1" hangingPunct="1">
+              <a:lnSpc>
+                <a:spcPct val="90000"/>
+              </a:lnSpc>
+              <a:spcBef>
+                <a:spcPts val="500"/>
+              </a:spcBef>
+              <a:buFont typeface="Arial" panose="020B0604020202020204" pitchFamily="34" charset="0"/>
+              <a:buChar char="•"/>
+              <a:defRPr sz="2000" kern="1200">
+                <a:solidFill>
+                  <a:srgbClr val="232323"/>
+                </a:solidFill>
+                <a:latin typeface="+mn-lt"/>
+                <a:ea typeface="+mn-ea"/>
+                <a:cs typeface="+mn-cs"/>
+              </a:defRPr>
+            </a:lvl3pPr>
+            <a:lvl4pPr marL="1600200" indent="-228600" algn="l" defTabSz="914400" rtl="0" eaLnBrk="1" latinLnBrk="1" hangingPunct="1">
+              <a:lnSpc>
+                <a:spcPct val="90000"/>
+              </a:lnSpc>
+              <a:spcBef>
+                <a:spcPts val="500"/>
+              </a:spcBef>
+              <a:buFont typeface="Arial" panose="020B0604020202020204" pitchFamily="34" charset="0"/>
+              <a:buChar char="•"/>
+              <a:defRPr sz="1800" kern="1200">
+                <a:solidFill>
+                  <a:srgbClr val="232323"/>
+                </a:solidFill>
+                <a:latin typeface="+mn-lt"/>
+                <a:ea typeface="+mn-ea"/>
+                <a:cs typeface="+mn-cs"/>
+              </a:defRPr>
+            </a:lvl4pPr>
+            <a:lvl5pPr marL="2057400" indent="-228600" algn="l" defTabSz="914400" rtl="0" eaLnBrk="1" latinLnBrk="1" hangingPunct="1">
+              <a:lnSpc>
+                <a:spcPct val="90000"/>
+              </a:lnSpc>
+              <a:spcBef>
+                <a:spcPts val="500"/>
+              </a:spcBef>
+              <a:buFont typeface="Arial" panose="020B0604020202020204" pitchFamily="34" charset="0"/>
+              <a:buChar char="•"/>
+              <a:defRPr sz="1800" kern="1200">
+                <a:solidFill>
+                  <a:srgbClr val="232323"/>
+                </a:solidFill>
+                <a:latin typeface="+mn-lt"/>
+                <a:ea typeface="+mn-ea"/>
+                <a:cs typeface="+mn-cs"/>
+              </a:defRPr>
+            </a:lvl5pPr>
+            <a:lvl6pPr marL="2514600" indent="-228600" algn="l" defTabSz="914400" rtl="0" eaLnBrk="1" latinLnBrk="1" hangingPunct="1">
+              <a:lnSpc>
+                <a:spcPct val="90000"/>
+              </a:lnSpc>
+              <a:spcBef>
+                <a:spcPts val="500"/>
+              </a:spcBef>
+              <a:buFont typeface="Arial" panose="020B0604020202020204" pitchFamily="34" charset="0"/>
+              <a:buChar char="•"/>
+              <a:defRPr sz="1800" kern="1200">
+                <a:solidFill>
+                  <a:schemeClr val="tx1"/>
+                </a:solidFill>
+                <a:latin typeface="+mn-lt"/>
+                <a:ea typeface="+mn-ea"/>
+                <a:cs typeface="+mn-cs"/>
+              </a:defRPr>
+            </a:lvl6pPr>
+            <a:lvl7pPr marL="2971800" indent="-228600" algn="l" defTabSz="914400" rtl="0" eaLnBrk="1" latinLnBrk="1" hangingPunct="1">
+              <a:lnSpc>
+                <a:spcPct val="90000"/>
+              </a:lnSpc>
+              <a:spcBef>
+                <a:spcPts val="500"/>
+              </a:spcBef>
+              <a:buFont typeface="Arial" panose="020B0604020202020204" pitchFamily="34" charset="0"/>
+              <a:buChar char="•"/>
+              <a:defRPr sz="1800" kern="1200">
+                <a:solidFill>
+                  <a:schemeClr val="tx1"/>
+                </a:solidFill>
+                <a:latin typeface="+mn-lt"/>
+                <a:ea typeface="+mn-ea"/>
+                <a:cs typeface="+mn-cs"/>
+              </a:defRPr>
+            </a:lvl7pPr>
+            <a:lvl8pPr marL="3429000" indent="-228600" algn="l" defTabSz="914400" rtl="0" eaLnBrk="1" latinLnBrk="1" hangingPunct="1">
+              <a:lnSpc>
+                <a:spcPct val="90000"/>
+              </a:lnSpc>
+              <a:spcBef>
+                <a:spcPts val="500"/>
+              </a:spcBef>
+              <a:buFont typeface="Arial" panose="020B0604020202020204" pitchFamily="34" charset="0"/>
+              <a:buChar char="•"/>
+              <a:defRPr sz="1800" kern="1200">
+                <a:solidFill>
+                  <a:schemeClr val="tx1"/>
+                </a:solidFill>
+                <a:latin typeface="+mn-lt"/>
+                <a:ea typeface="+mn-ea"/>
+                <a:cs typeface="+mn-cs"/>
+              </a:defRPr>
+            </a:lvl8pPr>
+            <a:lvl9pPr marL="3886200" indent="-228600" algn="l" defTabSz="914400" rtl="0" eaLnBrk="1" latinLnBrk="1" hangingPunct="1">
+              <a:lnSpc>
+                <a:spcPct val="90000"/>
+              </a:lnSpc>
+              <a:spcBef>
+                <a:spcPts val="500"/>
+              </a:spcBef>
+              <a:buFont typeface="Arial" panose="020B0604020202020204" pitchFamily="34" charset="0"/>
+              <a:buChar char="•"/>
+              <a:defRPr sz="1800" kern="1200">
+                <a:solidFill>
+                  <a:schemeClr val="tx1"/>
+                </a:solidFill>
+                <a:latin typeface="+mn-lt"/>
+                <a:ea typeface="+mn-ea"/>
+                <a:cs typeface="+mn-cs"/>
+              </a:defRPr>
+            </a:lvl9pPr>
+          </a:lstStyle>
+          <a:p>
+            <a:pPr marL="0" indent="0">
+              <a:buFont typeface="Arial" panose="020B0604020202020204" pitchFamily="34" charset="0"/>
+              <a:buNone/>
+            </a:pPr>
+            <a:r>
+              <a:rPr lang="ko-KR" altLang="en-US" sz="2400" b="1" dirty="0" smtClean="0"/>
+              <a:t>튜닝 전략</a:t>
+            </a:r>
+          </a:p>
+          <a:p>
+            <a:r>
+              <a:rPr lang="ko-KR" altLang="en-US" sz="2400" dirty="0" smtClean="0"/>
+              <a:t>프로그램을 이해하라</a:t>
+            </a:r>
+            <a:r>
+              <a:rPr lang="en-US" altLang="ko-KR" sz="2400" dirty="0" smtClean="0"/>
+              <a:t>.</a:t>
+            </a:r>
+          </a:p>
+          <a:p>
+            <a:r>
+              <a:rPr lang="ko-KR" altLang="en-US" sz="2400" dirty="0" smtClean="0"/>
+              <a:t>알고리즘을 이해하라</a:t>
+            </a:r>
+            <a:r>
+              <a:rPr lang="en-US" altLang="ko-KR" sz="2400" dirty="0" smtClean="0"/>
+              <a:t>.</a:t>
+            </a:r>
+          </a:p>
+          <a:p>
+            <a:r>
+              <a:rPr lang="ko-KR" altLang="en-US" sz="2400" dirty="0" smtClean="0"/>
+              <a:t>내장 타입을 사용하라</a:t>
+            </a:r>
+            <a:r>
+              <a:rPr lang="en-US" altLang="ko-KR" sz="2400" dirty="0" smtClean="0"/>
+              <a:t>.</a:t>
+            </a:r>
+          </a:p>
+          <a:p>
+            <a:r>
+              <a:rPr lang="ko-KR" altLang="en-US" sz="2400" dirty="0" smtClean="0"/>
+              <a:t>계층을 추가하지 않는다</a:t>
+            </a:r>
+            <a:r>
+              <a:rPr lang="en-US" altLang="ko-KR" sz="2400" dirty="0" smtClean="0"/>
+              <a:t>.</a:t>
+            </a:r>
+            <a:endParaRPr lang="en-US" altLang="ko-KR" sz="2400" dirty="0"/>
+          </a:p>
+          <a:p>
+            <a:endParaRPr lang="en-US" altLang="ko-KR" sz="2400" dirty="0" smtClean="0"/>
+          </a:p>
+        </p:txBody>
+      </p:sp>
+      <p:pic>
+        <p:nvPicPr>
+          <p:cNvPr id="3" name="그림 2"/>
+          <p:cNvPicPr>
+            <a:picLocks noChangeAspect="1"/>
+          </p:cNvPicPr>
+          <p:nvPr/>
+        </p:nvPicPr>
+        <p:blipFill>
+          <a:blip r:embed="rId2"/>
+          <a:stretch>
+            <a:fillRect/>
+          </a:stretch>
+        </p:blipFill>
+        <p:spPr>
+          <a:xfrm>
+            <a:off x="1206545" y="3731396"/>
+            <a:ext cx="5476875" cy="885825"/>
+          </a:xfrm>
+          <a:prstGeom prst="rect">
+            <a:avLst/>
+          </a:prstGeom>
+        </p:spPr>
+      </p:pic>
+    </p:spTree>
+    <p:extLst>
+      <p:ext uri="{BB962C8B-B14F-4D97-AF65-F5344CB8AC3E}">
+        <p14:creationId xmlns:p14="http://schemas.microsoft.com/office/powerpoint/2010/main" val="3398612871"/>
+      </p:ext>
+    </p:extLst>
+  </p:cSld>
+  <p:clrMapOvr>
+    <a:masterClrMapping/>
+  </p:clrMapOvr>
+  <p:timing>
+    <p:tnLst>
+      <p:par>
+        <p:cTn id="1" dur="indefinite" restart="never" nodeType="tmRoot"/>
+      </p:par>
+    </p:tnLst>
+  </p:timing>
+</p:sld>
+</file>
+
+<file path=ppt/slides/slide24.xml><?xml version="1.0" encoding="utf-8"?>
+<p:sld xmlns:a="http://schemas.openxmlformats.org/drawingml/2006/main" xmlns:r="http://schemas.openxmlformats.org/officeDocument/2006/relationships" xmlns:p="http://schemas.openxmlformats.org/presentationml/2006/main">
+  <p:cSld>
+    <p:spTree>
+      <p:nvGrpSpPr>
+        <p:cNvPr id="1" name=""/>
+        <p:cNvGrpSpPr/>
+        <p:nvPr/>
+      </p:nvGrpSpPr>
+      <p:grpSpPr>
+        <a:xfrm>
+          <a:off x="0" y="0"/>
+          <a:ext cx="0" cy="0"/>
+          <a:chOff x="0" y="0"/>
+          <a:chExt cx="0" cy="0"/>
+        </a:xfrm>
+      </p:grpSpPr>
+      <p:sp>
+        <p:nvSpPr>
+          <p:cNvPr id="2" name="제목 1"/>
+          <p:cNvSpPr>
+            <a:spLocks noGrp="1"/>
+          </p:cNvSpPr>
+          <p:nvPr>
+            <p:ph type="title"/>
+          </p:nvPr>
+        </p:nvSpPr>
+        <p:spPr/>
+        <p:txBody>
+          <a:bodyPr>
+            <a:normAutofit/>
+          </a:bodyPr>
+          <a:lstStyle/>
+          <a:p>
+            <a:r>
+              <a:rPr lang="ko-KR" altLang="en-US" dirty="0" smtClean="0"/>
+              <a:t>튜닝과 최적화</a:t>
+            </a:r>
+            <a:endParaRPr lang="ko-KR" altLang="en-US" dirty="0"/>
+          </a:p>
+        </p:txBody>
+      </p:sp>
+      <p:sp>
+        <p:nvSpPr>
+          <p:cNvPr id="4" name="슬라이드 번호 개체 틀 3"/>
+          <p:cNvSpPr>
+            <a:spLocks noGrp="1"/>
+          </p:cNvSpPr>
+          <p:nvPr>
+            <p:ph type="sldNum" sz="quarter" idx="12"/>
+          </p:nvPr>
+        </p:nvSpPr>
+        <p:spPr/>
+        <p:txBody>
+          <a:bodyPr/>
+          <a:lstStyle/>
+          <a:p>
+            <a:fld id="{FE150C24-AA4D-4CD8-91C7-5A50E7823163}" type="slidenum">
+              <a:rPr lang="ko-KR" altLang="en-US" smtClean="0"/>
+              <a:t>24</a:t>
+            </a:fld>
+            <a:endParaRPr lang="ko-KR" altLang="en-US"/>
+          </a:p>
+        </p:txBody>
+      </p:sp>
+      <p:sp>
+        <p:nvSpPr>
+          <p:cNvPr id="6" name="내용 개체 틀 2"/>
+          <p:cNvSpPr txBox="1">
+            <a:spLocks/>
+          </p:cNvSpPr>
+          <p:nvPr/>
+        </p:nvSpPr>
+        <p:spPr>
+          <a:xfrm>
+            <a:off x="838200" y="1317624"/>
+            <a:ext cx="10515600" cy="5038725"/>
+          </a:xfrm>
+          <a:prstGeom prst="rect">
+            <a:avLst/>
+          </a:prstGeom>
+        </p:spPr>
+        <p:txBody>
+          <a:bodyPr vert="horz" lIns="91440" tIns="45720" rIns="91440" bIns="45720" rtlCol="0">
+            <a:normAutofit/>
+          </a:bodyPr>
+          <a:lstStyle>
+            <a:lvl1pPr marL="228600" indent="-228600" algn="l" defTabSz="914400" rtl="0" eaLnBrk="1" latinLnBrk="1" hangingPunct="1">
+              <a:lnSpc>
+                <a:spcPct val="90000"/>
+              </a:lnSpc>
+              <a:spcBef>
+                <a:spcPts val="1000"/>
+              </a:spcBef>
+              <a:buFont typeface="Arial" panose="020B0604020202020204" pitchFamily="34" charset="0"/>
+              <a:buChar char="•"/>
+              <a:defRPr sz="2800" kern="1200">
+                <a:solidFill>
+                  <a:srgbClr val="232323"/>
+                </a:solidFill>
+                <a:latin typeface="+mn-lt"/>
+                <a:ea typeface="+mn-ea"/>
+                <a:cs typeface="+mn-cs"/>
+              </a:defRPr>
+            </a:lvl1pPr>
+            <a:lvl2pPr marL="685800" indent="-228600" algn="l" defTabSz="914400" rtl="0" eaLnBrk="1" latinLnBrk="1" hangingPunct="1">
+              <a:lnSpc>
+                <a:spcPct val="90000"/>
+              </a:lnSpc>
+              <a:spcBef>
+                <a:spcPts val="500"/>
+              </a:spcBef>
+              <a:buFont typeface="Arial" panose="020B0604020202020204" pitchFamily="34" charset="0"/>
+              <a:buChar char="•"/>
+              <a:defRPr sz="2400" kern="1200">
+                <a:solidFill>
+                  <a:srgbClr val="232323"/>
+                </a:solidFill>
+                <a:latin typeface="+mn-lt"/>
+                <a:ea typeface="+mn-ea"/>
+                <a:cs typeface="+mn-cs"/>
+              </a:defRPr>
+            </a:lvl2pPr>
+            <a:lvl3pPr marL="1143000" indent="-228600" algn="l" defTabSz="914400" rtl="0" eaLnBrk="1" latinLnBrk="1" hangingPunct="1">
+              <a:lnSpc>
+                <a:spcPct val="90000"/>
+              </a:lnSpc>
+              <a:spcBef>
+                <a:spcPts val="500"/>
+              </a:spcBef>
+              <a:buFont typeface="Arial" panose="020B0604020202020204" pitchFamily="34" charset="0"/>
+              <a:buChar char="•"/>
+              <a:defRPr sz="2000" kern="1200">
+                <a:solidFill>
+                  <a:srgbClr val="232323"/>
+                </a:solidFill>
+                <a:latin typeface="+mn-lt"/>
+                <a:ea typeface="+mn-ea"/>
+                <a:cs typeface="+mn-cs"/>
+              </a:defRPr>
+            </a:lvl3pPr>
+            <a:lvl4pPr marL="1600200" indent="-228600" algn="l" defTabSz="914400" rtl="0" eaLnBrk="1" latinLnBrk="1" hangingPunct="1">
+              <a:lnSpc>
+                <a:spcPct val="90000"/>
+              </a:lnSpc>
+              <a:spcBef>
+                <a:spcPts val="500"/>
+              </a:spcBef>
+              <a:buFont typeface="Arial" panose="020B0604020202020204" pitchFamily="34" charset="0"/>
+              <a:buChar char="•"/>
+              <a:defRPr sz="1800" kern="1200">
+                <a:solidFill>
+                  <a:srgbClr val="232323"/>
+                </a:solidFill>
+                <a:latin typeface="+mn-lt"/>
+                <a:ea typeface="+mn-ea"/>
+                <a:cs typeface="+mn-cs"/>
+              </a:defRPr>
+            </a:lvl4pPr>
+            <a:lvl5pPr marL="2057400" indent="-228600" algn="l" defTabSz="914400" rtl="0" eaLnBrk="1" latinLnBrk="1" hangingPunct="1">
+              <a:lnSpc>
+                <a:spcPct val="90000"/>
+              </a:lnSpc>
+              <a:spcBef>
+                <a:spcPts val="500"/>
+              </a:spcBef>
+              <a:buFont typeface="Arial" panose="020B0604020202020204" pitchFamily="34" charset="0"/>
+              <a:buChar char="•"/>
+              <a:defRPr sz="1800" kern="1200">
+                <a:solidFill>
+                  <a:srgbClr val="232323"/>
+                </a:solidFill>
+                <a:latin typeface="+mn-lt"/>
+                <a:ea typeface="+mn-ea"/>
+                <a:cs typeface="+mn-cs"/>
+              </a:defRPr>
+            </a:lvl5pPr>
+            <a:lvl6pPr marL="2514600" indent="-228600" algn="l" defTabSz="914400" rtl="0" eaLnBrk="1" latinLnBrk="1" hangingPunct="1">
+              <a:lnSpc>
+                <a:spcPct val="90000"/>
+              </a:lnSpc>
+              <a:spcBef>
+                <a:spcPts val="500"/>
+              </a:spcBef>
+              <a:buFont typeface="Arial" panose="020B0604020202020204" pitchFamily="34" charset="0"/>
+              <a:buChar char="•"/>
+              <a:defRPr sz="1800" kern="1200">
+                <a:solidFill>
+                  <a:schemeClr val="tx1"/>
+                </a:solidFill>
+                <a:latin typeface="+mn-lt"/>
+                <a:ea typeface="+mn-ea"/>
+                <a:cs typeface="+mn-cs"/>
+              </a:defRPr>
+            </a:lvl6pPr>
+            <a:lvl7pPr marL="2971800" indent="-228600" algn="l" defTabSz="914400" rtl="0" eaLnBrk="1" latinLnBrk="1" hangingPunct="1">
+              <a:lnSpc>
+                <a:spcPct val="90000"/>
+              </a:lnSpc>
+              <a:spcBef>
+                <a:spcPts val="500"/>
+              </a:spcBef>
+              <a:buFont typeface="Arial" panose="020B0604020202020204" pitchFamily="34" charset="0"/>
+              <a:buChar char="•"/>
+              <a:defRPr sz="1800" kern="1200">
+                <a:solidFill>
+                  <a:schemeClr val="tx1"/>
+                </a:solidFill>
+                <a:latin typeface="+mn-lt"/>
+                <a:ea typeface="+mn-ea"/>
+                <a:cs typeface="+mn-cs"/>
+              </a:defRPr>
+            </a:lvl7pPr>
+            <a:lvl8pPr marL="3429000" indent="-228600" algn="l" defTabSz="914400" rtl="0" eaLnBrk="1" latinLnBrk="1" hangingPunct="1">
+              <a:lnSpc>
+                <a:spcPct val="90000"/>
+              </a:lnSpc>
+              <a:spcBef>
+                <a:spcPts val="500"/>
+              </a:spcBef>
+              <a:buFont typeface="Arial" panose="020B0604020202020204" pitchFamily="34" charset="0"/>
+              <a:buChar char="•"/>
+              <a:defRPr sz="1800" kern="1200">
+                <a:solidFill>
+                  <a:schemeClr val="tx1"/>
+                </a:solidFill>
+                <a:latin typeface="+mn-lt"/>
+                <a:ea typeface="+mn-ea"/>
+                <a:cs typeface="+mn-cs"/>
+              </a:defRPr>
+            </a:lvl8pPr>
+            <a:lvl9pPr marL="3886200" indent="-228600" algn="l" defTabSz="914400" rtl="0" eaLnBrk="1" latinLnBrk="1" hangingPunct="1">
+              <a:lnSpc>
+                <a:spcPct val="90000"/>
+              </a:lnSpc>
+              <a:spcBef>
+                <a:spcPts val="500"/>
+              </a:spcBef>
+              <a:buFont typeface="Arial" panose="020B0604020202020204" pitchFamily="34" charset="0"/>
+              <a:buChar char="•"/>
+              <a:defRPr sz="1800" kern="1200">
+                <a:solidFill>
+                  <a:schemeClr val="tx1"/>
+                </a:solidFill>
+                <a:latin typeface="+mn-lt"/>
+                <a:ea typeface="+mn-ea"/>
+                <a:cs typeface="+mn-cs"/>
+              </a:defRPr>
+            </a:lvl9pPr>
+          </a:lstStyle>
+          <a:p>
+            <a:pPr marL="0" indent="0">
+              <a:buFont typeface="Arial" panose="020B0604020202020204" pitchFamily="34" charset="0"/>
+              <a:buNone/>
+            </a:pPr>
+            <a:r>
+              <a:rPr lang="ko-KR" altLang="en-US" sz="2400" b="1" dirty="0" smtClean="0"/>
+              <a:t>튜닝 전략</a:t>
+            </a:r>
+            <a:endParaRPr lang="en-US" altLang="ko-KR" sz="2400" dirty="0" smtClean="0"/>
+          </a:p>
+          <a:p>
+            <a:r>
+              <a:rPr lang="ko-KR" altLang="en-US" sz="2400" dirty="0" smtClean="0"/>
+              <a:t>클래스와 </a:t>
+            </a:r>
+            <a:r>
+              <a:rPr lang="ko-KR" altLang="en-US" sz="2400" dirty="0" err="1" smtClean="0"/>
+              <a:t>인스턴스가</a:t>
+            </a:r>
+            <a:r>
+              <a:rPr lang="ko-KR" altLang="en-US" sz="2400" dirty="0" smtClean="0"/>
+              <a:t> 사전을 토대로 만들어진 것을 안다</a:t>
+            </a:r>
+            <a:r>
+              <a:rPr lang="en-US" altLang="ko-KR" sz="2400" dirty="0" smtClean="0"/>
+              <a:t>.</a:t>
+            </a:r>
+            <a:br>
+              <a:rPr lang="en-US" altLang="ko-KR" sz="2400" dirty="0" smtClean="0"/>
+            </a:br>
+            <a:r>
+              <a:rPr lang="en-US" altLang="ko-KR" sz="2400" dirty="0" smtClean="0"/>
+              <a:t>- </a:t>
+            </a:r>
+            <a:r>
+              <a:rPr lang="ko-KR" altLang="en-US" sz="2400" dirty="0" smtClean="0"/>
+              <a:t>클래스만이 데이터를 저장하는 유일한 방법이 아니라 </a:t>
+            </a:r>
+            <a:r>
+              <a:rPr lang="ko-KR" altLang="en-US" sz="2400" dirty="0" err="1" smtClean="0"/>
+              <a:t>튜플과</a:t>
+            </a:r>
+            <a:r>
+              <a:rPr lang="ko-KR" altLang="en-US" sz="2400" dirty="0" smtClean="0"/>
+              <a:t> 사전만으로 충분한 경우가 많다</a:t>
+            </a:r>
+            <a:r>
+              <a:rPr lang="en-US" altLang="ko-KR" sz="2400" dirty="0" smtClean="0"/>
+              <a:t>.</a:t>
+            </a:r>
+          </a:p>
+          <a:p>
+            <a:endParaRPr lang="en-US" altLang="ko-KR" sz="2400" dirty="0"/>
+          </a:p>
+          <a:p>
+            <a:endParaRPr lang="en-US" altLang="ko-KR" sz="2400" dirty="0" smtClean="0"/>
+          </a:p>
+          <a:p>
+            <a:endParaRPr lang="en-US" altLang="ko-KR" sz="2400" dirty="0"/>
+          </a:p>
+          <a:p>
+            <a:r>
+              <a:rPr lang="en-US" altLang="ko-KR" sz="2400" dirty="0" smtClean="0"/>
+              <a:t>__slots__</a:t>
+            </a:r>
+            <a:r>
+              <a:rPr lang="ko-KR" altLang="en-US" sz="2400" dirty="0" smtClean="0"/>
+              <a:t>을 사용하라</a:t>
+            </a:r>
+            <a:r>
+              <a:rPr lang="en-US" altLang="ko-KR" sz="2400" dirty="0" smtClean="0"/>
+              <a:t>.</a:t>
+            </a:r>
+            <a:br>
+              <a:rPr lang="en-US" altLang="ko-KR" sz="2400" dirty="0" smtClean="0"/>
+            </a:br>
+            <a:r>
+              <a:rPr lang="en-US" altLang="ko-KR" sz="2400" dirty="0" smtClean="0"/>
+              <a:t>- </a:t>
+            </a:r>
+            <a:r>
+              <a:rPr lang="ko-KR" altLang="en-US" sz="2400" dirty="0" smtClean="0"/>
+              <a:t>프로그램에서 사용자 정의 클래스의 </a:t>
+            </a:r>
+            <a:r>
+              <a:rPr lang="ko-KR" altLang="en-US" sz="2400" dirty="0" err="1" smtClean="0"/>
+              <a:t>인스턴스를</a:t>
+            </a:r>
+            <a:r>
+              <a:rPr lang="ko-KR" altLang="en-US" sz="2400" dirty="0" smtClean="0"/>
+              <a:t> 다수 생성한다면 클래스 정의에 </a:t>
+            </a:r>
+            <a:r>
+              <a:rPr lang="en-US" altLang="ko-KR" sz="2400" dirty="0" smtClean="0"/>
+              <a:t>__slots__ </a:t>
+            </a:r>
+            <a:r>
+              <a:rPr lang="ko-KR" altLang="en-US" sz="2400" dirty="0" smtClean="0"/>
+              <a:t>속성을 사용하는 것을 고려하라</a:t>
+            </a:r>
+            <a:r>
+              <a:rPr lang="en-US" altLang="ko-KR" sz="2400" dirty="0" smtClean="0"/>
+              <a:t>.</a:t>
+            </a:r>
+          </a:p>
+        </p:txBody>
+      </p:sp>
+      <p:pic>
+        <p:nvPicPr>
+          <p:cNvPr id="8" name="그림 7"/>
+          <p:cNvPicPr>
+            <a:picLocks noChangeAspect="1"/>
+          </p:cNvPicPr>
+          <p:nvPr/>
+        </p:nvPicPr>
+        <p:blipFill>
+          <a:blip r:embed="rId2"/>
+          <a:stretch>
+            <a:fillRect/>
+          </a:stretch>
+        </p:blipFill>
+        <p:spPr>
+          <a:xfrm>
+            <a:off x="1132794" y="3133497"/>
+            <a:ext cx="3743325" cy="1019175"/>
+          </a:xfrm>
+          <a:prstGeom prst="rect">
+            <a:avLst/>
+          </a:prstGeom>
+        </p:spPr>
+      </p:pic>
+      <p:pic>
+        <p:nvPicPr>
+          <p:cNvPr id="10" name="그림 9"/>
+          <p:cNvPicPr>
+            <a:picLocks noChangeAspect="1"/>
+          </p:cNvPicPr>
+          <p:nvPr/>
+        </p:nvPicPr>
+        <p:blipFill>
+          <a:blip r:embed="rId3"/>
+          <a:stretch>
+            <a:fillRect/>
+          </a:stretch>
+        </p:blipFill>
+        <p:spPr>
+          <a:xfrm>
+            <a:off x="5314950" y="3133497"/>
+            <a:ext cx="6038850" cy="1143000"/>
+          </a:xfrm>
+          <a:prstGeom prst="rect">
+            <a:avLst/>
+          </a:prstGeom>
+        </p:spPr>
+      </p:pic>
+      <p:pic>
+        <p:nvPicPr>
+          <p:cNvPr id="11" name="그림 10"/>
+          <p:cNvPicPr>
+            <a:picLocks noChangeAspect="1"/>
+          </p:cNvPicPr>
+          <p:nvPr/>
+        </p:nvPicPr>
+        <p:blipFill>
+          <a:blip r:embed="rId4"/>
+          <a:stretch>
+            <a:fillRect/>
+          </a:stretch>
+        </p:blipFill>
+        <p:spPr>
+          <a:xfrm>
+            <a:off x="1132794" y="5537380"/>
+            <a:ext cx="3933825" cy="1238250"/>
+          </a:xfrm>
+          <a:prstGeom prst="rect">
+            <a:avLst/>
+          </a:prstGeom>
+        </p:spPr>
+      </p:pic>
+    </p:spTree>
+    <p:extLst>
+      <p:ext uri="{BB962C8B-B14F-4D97-AF65-F5344CB8AC3E}">
+        <p14:creationId xmlns:p14="http://schemas.microsoft.com/office/powerpoint/2010/main" val="3020906604"/>
+      </p:ext>
+    </p:extLst>
+  </p:cSld>
+  <p:clrMapOvr>
+    <a:masterClrMapping/>
+  </p:clrMapOvr>
+  <p:timing>
+    <p:tnLst>
+      <p:par>
+        <p:cTn id="1" dur="indefinite" restart="never" nodeType="tmRoot"/>
+      </p:par>
+    </p:tnLst>
+  </p:timing>
+</p:sld>
+</file>
+
+<file path=ppt/slides/slide25.xml><?xml version="1.0" encoding="utf-8"?>
+<p:sld xmlns:a="http://schemas.openxmlformats.org/drawingml/2006/main" xmlns:r="http://schemas.openxmlformats.org/officeDocument/2006/relationships" xmlns:p="http://schemas.openxmlformats.org/presentationml/2006/main">
+  <p:cSld>
+    <p:spTree>
+      <p:nvGrpSpPr>
+        <p:cNvPr id="1" name=""/>
+        <p:cNvGrpSpPr/>
+        <p:nvPr/>
+      </p:nvGrpSpPr>
+      <p:grpSpPr>
+        <a:xfrm>
+          <a:off x="0" y="0"/>
+          <a:ext cx="0" cy="0"/>
+          <a:chOff x="0" y="0"/>
+          <a:chExt cx="0" cy="0"/>
+        </a:xfrm>
+      </p:grpSpPr>
+      <p:sp>
+        <p:nvSpPr>
+          <p:cNvPr id="2" name="제목 1"/>
+          <p:cNvSpPr>
+            <a:spLocks noGrp="1"/>
+          </p:cNvSpPr>
+          <p:nvPr>
+            <p:ph type="title"/>
+          </p:nvPr>
+        </p:nvSpPr>
+        <p:spPr/>
+        <p:txBody>
+          <a:bodyPr>
+            <a:normAutofit/>
+          </a:bodyPr>
+          <a:lstStyle/>
+          <a:p>
+            <a:r>
+              <a:rPr lang="ko-KR" altLang="en-US" dirty="0" smtClean="0"/>
+              <a:t>튜닝과 최적화</a:t>
+            </a:r>
+            <a:endParaRPr lang="ko-KR" altLang="en-US" dirty="0"/>
+          </a:p>
+        </p:txBody>
+      </p:sp>
+      <p:sp>
+        <p:nvSpPr>
+          <p:cNvPr id="4" name="슬라이드 번호 개체 틀 3"/>
+          <p:cNvSpPr>
+            <a:spLocks noGrp="1"/>
+          </p:cNvSpPr>
+          <p:nvPr>
+            <p:ph type="sldNum" sz="quarter" idx="12"/>
+          </p:nvPr>
+        </p:nvSpPr>
+        <p:spPr/>
+        <p:txBody>
+          <a:bodyPr/>
+          <a:lstStyle/>
+          <a:p>
+            <a:fld id="{FE150C24-AA4D-4CD8-91C7-5A50E7823163}" type="slidenum">
+              <a:rPr lang="ko-KR" altLang="en-US" smtClean="0"/>
+              <a:t>25</a:t>
+            </a:fld>
+            <a:endParaRPr lang="ko-KR" altLang="en-US"/>
+          </a:p>
+        </p:txBody>
+      </p:sp>
+      <p:sp>
+        <p:nvSpPr>
+          <p:cNvPr id="6" name="내용 개체 틀 2"/>
+          <p:cNvSpPr txBox="1">
+            <a:spLocks/>
+          </p:cNvSpPr>
+          <p:nvPr/>
+        </p:nvSpPr>
+        <p:spPr>
+          <a:xfrm>
+            <a:off x="838200" y="1317624"/>
+            <a:ext cx="10515600" cy="5038725"/>
+          </a:xfrm>
+          <a:prstGeom prst="rect">
+            <a:avLst/>
+          </a:prstGeom>
+        </p:spPr>
+        <p:txBody>
+          <a:bodyPr vert="horz" lIns="91440" tIns="45720" rIns="91440" bIns="45720" rtlCol="0">
+            <a:normAutofit/>
+          </a:bodyPr>
+          <a:lstStyle>
+            <a:lvl1pPr marL="228600" indent="-228600" algn="l" defTabSz="914400" rtl="0" eaLnBrk="1" latinLnBrk="1" hangingPunct="1">
+              <a:lnSpc>
+                <a:spcPct val="90000"/>
+              </a:lnSpc>
+              <a:spcBef>
+                <a:spcPts val="1000"/>
+              </a:spcBef>
+              <a:buFont typeface="Arial" panose="020B0604020202020204" pitchFamily="34" charset="0"/>
+              <a:buChar char="•"/>
+              <a:defRPr sz="2800" kern="1200">
+                <a:solidFill>
+                  <a:srgbClr val="232323"/>
+                </a:solidFill>
+                <a:latin typeface="+mn-lt"/>
+                <a:ea typeface="+mn-ea"/>
+                <a:cs typeface="+mn-cs"/>
+              </a:defRPr>
+            </a:lvl1pPr>
+            <a:lvl2pPr marL="685800" indent="-228600" algn="l" defTabSz="914400" rtl="0" eaLnBrk="1" latinLnBrk="1" hangingPunct="1">
+              <a:lnSpc>
+                <a:spcPct val="90000"/>
+              </a:lnSpc>
+              <a:spcBef>
+                <a:spcPts val="500"/>
+              </a:spcBef>
+              <a:buFont typeface="Arial" panose="020B0604020202020204" pitchFamily="34" charset="0"/>
+              <a:buChar char="•"/>
+              <a:defRPr sz="2400" kern="1200">
+                <a:solidFill>
+                  <a:srgbClr val="232323"/>
+                </a:solidFill>
+                <a:latin typeface="+mn-lt"/>
+                <a:ea typeface="+mn-ea"/>
+                <a:cs typeface="+mn-cs"/>
+              </a:defRPr>
+            </a:lvl2pPr>
+            <a:lvl3pPr marL="1143000" indent="-228600" algn="l" defTabSz="914400" rtl="0" eaLnBrk="1" latinLnBrk="1" hangingPunct="1">
+              <a:lnSpc>
+                <a:spcPct val="90000"/>
+              </a:lnSpc>
+              <a:spcBef>
+                <a:spcPts val="500"/>
+              </a:spcBef>
+              <a:buFont typeface="Arial" panose="020B0604020202020204" pitchFamily="34" charset="0"/>
+              <a:buChar char="•"/>
+              <a:defRPr sz="2000" kern="1200">
+                <a:solidFill>
+                  <a:srgbClr val="232323"/>
+                </a:solidFill>
+                <a:latin typeface="+mn-lt"/>
+                <a:ea typeface="+mn-ea"/>
+                <a:cs typeface="+mn-cs"/>
+              </a:defRPr>
+            </a:lvl3pPr>
+            <a:lvl4pPr marL="1600200" indent="-228600" algn="l" defTabSz="914400" rtl="0" eaLnBrk="1" latinLnBrk="1" hangingPunct="1">
+              <a:lnSpc>
+                <a:spcPct val="90000"/>
+              </a:lnSpc>
+              <a:spcBef>
+                <a:spcPts val="500"/>
+              </a:spcBef>
+              <a:buFont typeface="Arial" panose="020B0604020202020204" pitchFamily="34" charset="0"/>
+              <a:buChar char="•"/>
+              <a:defRPr sz="1800" kern="1200">
+                <a:solidFill>
+                  <a:srgbClr val="232323"/>
+                </a:solidFill>
+                <a:latin typeface="+mn-lt"/>
+                <a:ea typeface="+mn-ea"/>
+                <a:cs typeface="+mn-cs"/>
+              </a:defRPr>
+            </a:lvl4pPr>
+            <a:lvl5pPr marL="2057400" indent="-228600" algn="l" defTabSz="914400" rtl="0" eaLnBrk="1" latinLnBrk="1" hangingPunct="1">
+              <a:lnSpc>
+                <a:spcPct val="90000"/>
+              </a:lnSpc>
+              <a:spcBef>
+                <a:spcPts val="500"/>
+              </a:spcBef>
+              <a:buFont typeface="Arial" panose="020B0604020202020204" pitchFamily="34" charset="0"/>
+              <a:buChar char="•"/>
+              <a:defRPr sz="1800" kern="1200">
+                <a:solidFill>
+                  <a:srgbClr val="232323"/>
+                </a:solidFill>
+                <a:latin typeface="+mn-lt"/>
+                <a:ea typeface="+mn-ea"/>
+                <a:cs typeface="+mn-cs"/>
+              </a:defRPr>
+            </a:lvl5pPr>
+            <a:lvl6pPr marL="2514600" indent="-228600" algn="l" defTabSz="914400" rtl="0" eaLnBrk="1" latinLnBrk="1" hangingPunct="1">
+              <a:lnSpc>
+                <a:spcPct val="90000"/>
+              </a:lnSpc>
+              <a:spcBef>
+                <a:spcPts val="500"/>
+              </a:spcBef>
+              <a:buFont typeface="Arial" panose="020B0604020202020204" pitchFamily="34" charset="0"/>
+              <a:buChar char="•"/>
+              <a:defRPr sz="1800" kern="1200">
+                <a:solidFill>
+                  <a:schemeClr val="tx1"/>
+                </a:solidFill>
+                <a:latin typeface="+mn-lt"/>
+                <a:ea typeface="+mn-ea"/>
+                <a:cs typeface="+mn-cs"/>
+              </a:defRPr>
+            </a:lvl6pPr>
+            <a:lvl7pPr marL="2971800" indent="-228600" algn="l" defTabSz="914400" rtl="0" eaLnBrk="1" latinLnBrk="1" hangingPunct="1">
+              <a:lnSpc>
+                <a:spcPct val="90000"/>
+              </a:lnSpc>
+              <a:spcBef>
+                <a:spcPts val="500"/>
+              </a:spcBef>
+              <a:buFont typeface="Arial" panose="020B0604020202020204" pitchFamily="34" charset="0"/>
+              <a:buChar char="•"/>
+              <a:defRPr sz="1800" kern="1200">
+                <a:solidFill>
+                  <a:schemeClr val="tx1"/>
+                </a:solidFill>
+                <a:latin typeface="+mn-lt"/>
+                <a:ea typeface="+mn-ea"/>
+                <a:cs typeface="+mn-cs"/>
+              </a:defRPr>
+            </a:lvl7pPr>
+            <a:lvl8pPr marL="3429000" indent="-228600" algn="l" defTabSz="914400" rtl="0" eaLnBrk="1" latinLnBrk="1" hangingPunct="1">
+              <a:lnSpc>
+                <a:spcPct val="90000"/>
+              </a:lnSpc>
+              <a:spcBef>
+                <a:spcPts val="500"/>
+              </a:spcBef>
+              <a:buFont typeface="Arial" panose="020B0604020202020204" pitchFamily="34" charset="0"/>
+              <a:buChar char="•"/>
+              <a:defRPr sz="1800" kern="1200">
+                <a:solidFill>
+                  <a:schemeClr val="tx1"/>
+                </a:solidFill>
+                <a:latin typeface="+mn-lt"/>
+                <a:ea typeface="+mn-ea"/>
+                <a:cs typeface="+mn-cs"/>
+              </a:defRPr>
+            </a:lvl8pPr>
+            <a:lvl9pPr marL="3886200" indent="-228600" algn="l" defTabSz="914400" rtl="0" eaLnBrk="1" latinLnBrk="1" hangingPunct="1">
+              <a:lnSpc>
+                <a:spcPct val="90000"/>
+              </a:lnSpc>
+              <a:spcBef>
+                <a:spcPts val="500"/>
+              </a:spcBef>
+              <a:buFont typeface="Arial" panose="020B0604020202020204" pitchFamily="34" charset="0"/>
+              <a:buChar char="•"/>
+              <a:defRPr sz="1800" kern="1200">
+                <a:solidFill>
+                  <a:schemeClr val="tx1"/>
+                </a:solidFill>
+                <a:latin typeface="+mn-lt"/>
+                <a:ea typeface="+mn-ea"/>
+                <a:cs typeface="+mn-cs"/>
+              </a:defRPr>
+            </a:lvl9pPr>
+          </a:lstStyle>
+          <a:p>
+            <a:pPr marL="0" indent="0">
+              <a:buFont typeface="Arial" panose="020B0604020202020204" pitchFamily="34" charset="0"/>
+              <a:buNone/>
+            </a:pPr>
+            <a:r>
+              <a:rPr lang="ko-KR" altLang="en-US" sz="2400" b="1" dirty="0" smtClean="0"/>
+              <a:t>튜닝 전략</a:t>
+            </a:r>
+            <a:endParaRPr lang="en-US" altLang="ko-KR" sz="2400" dirty="0" smtClean="0"/>
+          </a:p>
+          <a:p>
+            <a:r>
+              <a:rPr lang="ko-KR" altLang="en-US" sz="2400" dirty="0" smtClean="0"/>
+              <a:t>점</a:t>
+            </a:r>
+            <a:r>
+              <a:rPr lang="en-US" altLang="ko-KR" sz="2400" dirty="0" smtClean="0"/>
+              <a:t>(.) </a:t>
+            </a:r>
+            <a:r>
+              <a:rPr lang="ko-KR" altLang="en-US" sz="2400" dirty="0" smtClean="0"/>
+              <a:t>연산자의 사용을 피하라</a:t>
+            </a:r>
+            <a:endParaRPr lang="en-US" altLang="ko-KR" sz="2400" dirty="0" smtClean="0"/>
+          </a:p>
+          <a:p>
+            <a:r>
+              <a:rPr lang="ko-KR" altLang="en-US" sz="2400" dirty="0" smtClean="0"/>
+              <a:t>흔하지 않은 경우를 처리하기 위해서 예외를 사용하라</a:t>
+            </a:r>
+            <a:r>
+              <a:rPr lang="en-US" altLang="ko-KR" sz="2400" dirty="0" smtClean="0"/>
+              <a:t>.</a:t>
+            </a:r>
+          </a:p>
+          <a:p>
+            <a:r>
+              <a:rPr lang="ko-KR" altLang="en-US" sz="2400" dirty="0" smtClean="0"/>
+              <a:t>흔한 경우에 대한 예외 처리를 피하라</a:t>
+            </a:r>
+            <a:r>
+              <a:rPr lang="en-US" altLang="ko-KR" sz="2400" dirty="0" smtClean="0"/>
+              <a:t>.</a:t>
+            </a:r>
+          </a:p>
+          <a:p>
+            <a:r>
+              <a:rPr lang="ko-KR" altLang="en-US" sz="2400" dirty="0" smtClean="0"/>
+              <a:t>함수형 프로그래밍과 반복을 채택하라</a:t>
+            </a:r>
+            <a:r>
+              <a:rPr lang="en-US" altLang="ko-KR" sz="2400" dirty="0" smtClean="0"/>
+              <a:t>.</a:t>
+            </a:r>
+          </a:p>
+          <a:p>
+            <a:r>
+              <a:rPr lang="ko-KR" altLang="en-US" sz="2400" dirty="0" err="1" smtClean="0"/>
+              <a:t>장식자와</a:t>
+            </a:r>
+            <a:r>
+              <a:rPr lang="ko-KR" altLang="en-US" sz="2400" dirty="0" smtClean="0"/>
+              <a:t> 메타클래스를 사용하라</a:t>
+            </a:r>
+            <a:r>
+              <a:rPr lang="en-US" altLang="ko-KR" sz="2400" dirty="0" smtClean="0"/>
+              <a:t>.</a:t>
+            </a:r>
+          </a:p>
+        </p:txBody>
+      </p:sp>
+    </p:spTree>
+    <p:extLst>
+      <p:ext uri="{BB962C8B-B14F-4D97-AF65-F5344CB8AC3E}">
+        <p14:creationId xmlns:p14="http://schemas.microsoft.com/office/powerpoint/2010/main" val="2812309379"/>
+      </p:ext>
+    </p:extLst>
+  </p:cSld>
+  <p:clrMapOvr>
+    <a:masterClrMapping/>
+  </p:clrMapOvr>
+  <p:timing>
+    <p:tnLst>
+      <p:par>
+        <p:cTn id="1" dur="indefinite" restart="never" nodeType="tmRoot"/>
+      </p:par>
+    </p:tnLst>
+  </p:timing>
+</p:sld>
+</file>
+
+<file path=ppt/slides/slide26.xml><?xml version="1.0" encoding="utf-8"?>
 <p:sld xmlns:a="http://schemas.openxmlformats.org/drawingml/2006/main" xmlns:r="http://schemas.openxmlformats.org/officeDocument/2006/relationships" xmlns:p="http://schemas.openxmlformats.org/presentationml/2006/main">
   <p:cSld>
     <p:bg>
@@ -15365,8 +19130,12 @@
           <a:lstStyle/>
           <a:p>
             <a:r>
-              <a:rPr lang="en-US" altLang="ko-KR" sz="1800" dirty="0" smtClean="0"/>
-              <a:t>Title</a:t>
+              <a:rPr lang="ko-KR" altLang="en-US" sz="1800" dirty="0" err="1" smtClean="0"/>
+              <a:t>파이썬</a:t>
+            </a:r>
+            <a:r>
+              <a:rPr lang="ko-KR" altLang="en-US" sz="1800" dirty="0" smtClean="0"/>
+              <a:t> 완벽 가이드</a:t>
             </a:r>
             <a:endParaRPr lang="ko-KR" altLang="en-US" sz="1800" dirty="0"/>
           </a:p>
@@ -15420,7 +19189,7 @@
           <a:p>
             <a:fld id="{FE150C24-AA4D-4CD8-91C7-5A50E7823163}" type="slidenum">
               <a:rPr lang="ko-KR" altLang="en-US" smtClean="0"/>
-              <a:t>22</a:t>
+              <a:t>26</a:t>
             </a:fld>
             <a:endParaRPr lang="ko-KR" altLang="en-US"/>
           </a:p>
